--- a/labs/WSAA2.3 consuming xml_ed.pptx
+++ b/labs/WSAA2.3 consuming xml_ed.pptx
@@ -308,7 +308,7 @@
             <a:pPr algn="r">
               <a:buNone/>
             </a:pPr>
-            <a:fld id="{EDE3BC80-A5A3-46D1-8F3A-C71C285A964E}" type="slidenum">
+            <a:fld id="{CC4E7886-2F79-4F80-83BB-E2AC0FDDDE1F}" type="slidenum">
               <a:rPr b="0" lang="en-IE" sz="1400" spc="-1" strike="noStrike">
                 <a:latin typeface="Times New Roman"/>
               </a:rPr>
@@ -324,6 +324,91 @@
   </p:cSld>
   <p:clrMap bg1="lt1" bg2="lt2" tx1="dk1" tx2="dk2" accent1="accent1" accent2="accent2" accent3="accent3" accent4="accent4" accent5="accent5" accent6="accent6" hlink="hlink" folHlink="folHlink"/>
 </p:notesMaster>
+</file>
+
+<file path=ppt/notesSlides/notesSlide1.xml><?xml version="1.0" encoding="utf-8"?>
+<p:notes xmlns:a="http://schemas.openxmlformats.org/drawingml/2006/main" xmlns:p="http://schemas.openxmlformats.org/presentationml/2006/main" xmlns:r="http://schemas.openxmlformats.org/officeDocument/2006/relationships" xmlns:p14="http://schemas.microsoft.com/office/powerpoint/2010/main" xmlns:p15="http://schemas.microsoft.com/office/powerpoint/2012/main" xmlns:mc="http://schemas.openxmlformats.org/markup-compatibility/2006">
+  <p:cSld>
+    <p:spTree>
+      <p:nvGrpSpPr>
+        <p:cNvPr id="1" name=""/>
+        <p:cNvGrpSpPr/>
+        <p:nvPr/>
+      </p:nvGrpSpPr>
+      <p:grpSpPr>
+        <a:xfrm>
+          <a:off x="0" y="0"/>
+          <a:ext cx="0" cy="0"/>
+          <a:chOff x="0" y="0"/>
+          <a:chExt cx="0" cy="0"/>
+        </a:xfrm>
+      </p:grpSpPr>
+      <p:sp>
+        <p:nvSpPr>
+          <p:cNvPr id="261" name="PlaceHolder 1"/>
+          <p:cNvSpPr>
+            <a:spLocks noGrp="1"/>
+          </p:cNvSpPr>
+          <p:nvPr>
+            <p:ph type="sldImg"/>
+          </p:nvPr>
+        </p:nvSpPr>
+        <p:spPr>
+          <a:xfrm>
+            <a:off x="216000" y="812520"/>
+            <a:ext cx="7127280" cy="4008960"/>
+          </a:xfrm>
+          <a:prstGeom prst="rect">
+            <a:avLst/>
+          </a:prstGeom>
+          <a:ln w="0">
+            <a:noFill/>
+          </a:ln>
+        </p:spPr>
+      </p:sp>
+      <p:sp>
+        <p:nvSpPr>
+          <p:cNvPr id="262" name="PlaceHolder 2"/>
+          <p:cNvSpPr>
+            <a:spLocks noGrp="1"/>
+          </p:cNvSpPr>
+          <p:nvPr>
+            <p:ph type="body"/>
+          </p:nvPr>
+        </p:nvSpPr>
+        <p:spPr>
+          <a:xfrm>
+            <a:off x="756000" y="5078520"/>
+            <a:ext cx="6047640" cy="4811040"/>
+          </a:xfrm>
+          <a:prstGeom prst="rect">
+            <a:avLst/>
+          </a:prstGeom>
+          <a:noFill/>
+          <a:ln w="0">
+            <a:noFill/>
+          </a:ln>
+        </p:spPr>
+        <p:txBody>
+          <a:bodyPr lIns="0" rIns="0" tIns="0" bIns="0" anchor="t">
+            <a:noAutofit/>
+          </a:bodyPr>
+          <a:p>
+            <a:r>
+              <a:rPr b="0" lang="en-IE" sz="2000" spc="-1" strike="noStrike">
+                <a:latin typeface="Arial"/>
+              </a:rPr>
+              <a:t>Reading xml from files and the cloud</a:t>
+            </a:r>
+            <a:endParaRPr b="0" lang="en-IE" sz="2000" spc="-1" strike="noStrike">
+              <a:latin typeface="Arial"/>
+            </a:endParaRPr>
+          </a:p>
+        </p:txBody>
+      </p:sp>
+    </p:spTree>
+  </p:cSld>
+</p:notes>
 </file>
 
 <file path=ppt/notesSlides/notesSlide10.xml><?xml version="1.0" encoding="utf-8"?>
@@ -345,7 +430,7 @@
       </p:grpSpPr>
       <p:sp>
         <p:nvSpPr>
-          <p:cNvPr id="265" name="PlaceHolder 1"/>
+          <p:cNvPr id="267" name="PlaceHolder 1"/>
           <p:cNvSpPr>
             <a:spLocks noGrp="1"/>
           </p:cNvSpPr>
@@ -356,7 +441,7 @@
         <p:spPr>
           <a:xfrm>
             <a:off x="216000" y="812520"/>
-            <a:ext cx="7126920" cy="4008600"/>
+            <a:ext cx="7126560" cy="4008240"/>
           </a:xfrm>
           <a:prstGeom prst="rect">
             <a:avLst/>
@@ -368,7 +453,7 @@
       </p:sp>
       <p:sp>
         <p:nvSpPr>
-          <p:cNvPr id="266" name="PlaceHolder 2"/>
+          <p:cNvPr id="268" name="PlaceHolder 2"/>
           <p:cNvSpPr>
             <a:spLocks noGrp="1"/>
           </p:cNvSpPr>
@@ -379,7 +464,7 @@
         <p:spPr>
           <a:xfrm>
             <a:off x="756000" y="5078520"/>
-            <a:ext cx="6047280" cy="4810680"/>
+            <a:ext cx="6046920" cy="4810320"/>
           </a:xfrm>
           <a:prstGeom prst="rect">
             <a:avLst/>
@@ -399,6 +484,9 @@
                 <a:spcPct val="100000"/>
               </a:lnSpc>
               <a:buNone/>
+              <a:tabLst>
+                <a:tab algn="l" pos="0"/>
+              </a:tabLst>
             </a:pPr>
             <a:r>
               <a:rPr b="0" lang="en-IE" sz="2000" spc="-1" strike="noStrike">
@@ -436,7 +524,7 @@
       </p:grpSpPr>
       <p:sp>
         <p:nvSpPr>
-          <p:cNvPr id="267" name="PlaceHolder 1"/>
+          <p:cNvPr id="269" name="PlaceHolder 1"/>
           <p:cNvSpPr>
             <a:spLocks noGrp="1"/>
           </p:cNvSpPr>
@@ -447,7 +535,7 @@
         <p:spPr>
           <a:xfrm>
             <a:off x="216000" y="812520"/>
-            <a:ext cx="7126920" cy="4008600"/>
+            <a:ext cx="7126560" cy="4008240"/>
           </a:xfrm>
           <a:prstGeom prst="rect">
             <a:avLst/>
@@ -459,7 +547,7 @@
       </p:sp>
       <p:sp>
         <p:nvSpPr>
-          <p:cNvPr id="268" name="PlaceHolder 2"/>
+          <p:cNvPr id="270" name="PlaceHolder 2"/>
           <p:cNvSpPr>
             <a:spLocks noGrp="1"/>
           </p:cNvSpPr>
@@ -470,7 +558,7 @@
         <p:spPr>
           <a:xfrm>
             <a:off x="756000" y="5078520"/>
-            <a:ext cx="6047280" cy="4810680"/>
+            <a:ext cx="6046920" cy="4810320"/>
           </a:xfrm>
           <a:prstGeom prst="rect">
             <a:avLst/>
@@ -490,6 +578,9 @@
                 <a:spcPct val="100000"/>
               </a:lnSpc>
               <a:buNone/>
+              <a:tabLst>
+                <a:tab algn="l" pos="0"/>
+              </a:tabLst>
             </a:pPr>
             <a:r>
               <a:rPr b="0" lang="en-IE" sz="2000" spc="-1" strike="noStrike">
@@ -507,6 +598,9 @@
                 <a:spcPct val="100000"/>
               </a:lnSpc>
               <a:buNone/>
+              <a:tabLst>
+                <a:tab algn="l" pos="0"/>
+              </a:tabLst>
             </a:pPr>
             <a:r>
               <a:rPr b="0" lang="en-IE" sz="2000" spc="-1" strike="noStrike">
@@ -524,6 +618,9 @@
                 <a:spcPct val="100000"/>
               </a:lnSpc>
               <a:buNone/>
+              <a:tabLst>
+                <a:tab algn="l" pos="0"/>
+              </a:tabLst>
             </a:pPr>
             <a:endParaRPr b="0" lang="en-IE" sz="2000" spc="-1" strike="noStrike">
               <a:latin typeface="Arial"/>
@@ -535,6 +632,9 @@
                 <a:spcPct val="100000"/>
               </a:lnSpc>
               <a:buNone/>
+              <a:tabLst>
+                <a:tab algn="l" pos="0"/>
+              </a:tabLst>
             </a:pPr>
             <a:endParaRPr b="0" lang="en-IE" sz="2000" spc="-1" strike="noStrike">
               <a:latin typeface="Arial"/>
@@ -566,7 +666,7 @@
       </p:grpSpPr>
       <p:sp>
         <p:nvSpPr>
-          <p:cNvPr id="269" name="PlaceHolder 1"/>
+          <p:cNvPr id="271" name="PlaceHolder 1"/>
           <p:cNvSpPr>
             <a:spLocks noGrp="1"/>
           </p:cNvSpPr>
@@ -577,7 +677,7 @@
         <p:spPr>
           <a:xfrm>
             <a:off x="216000" y="812520"/>
-            <a:ext cx="7126920" cy="4008600"/>
+            <a:ext cx="7126560" cy="4008240"/>
           </a:xfrm>
           <a:prstGeom prst="rect">
             <a:avLst/>
@@ -589,7 +689,7 @@
       </p:sp>
       <p:sp>
         <p:nvSpPr>
-          <p:cNvPr id="270" name="PlaceHolder 2"/>
+          <p:cNvPr id="272" name="PlaceHolder 2"/>
           <p:cNvSpPr>
             <a:spLocks noGrp="1"/>
           </p:cNvSpPr>
@@ -600,7 +700,7 @@
         <p:spPr>
           <a:xfrm>
             <a:off x="756000" y="5078520"/>
-            <a:ext cx="6047280" cy="4810680"/>
+            <a:ext cx="6046920" cy="4810320"/>
           </a:xfrm>
           <a:prstGeom prst="rect">
             <a:avLst/>
@@ -620,6 +720,9 @@
                 <a:spcPct val="100000"/>
               </a:lnSpc>
               <a:buNone/>
+              <a:tabLst>
+                <a:tab algn="l" pos="0"/>
+              </a:tabLst>
             </a:pPr>
             <a:r>
               <a:rPr b="0" lang="en-IE" sz="2000" spc="-1" strike="noStrike">
@@ -657,7 +760,7 @@
       </p:grpSpPr>
       <p:sp>
         <p:nvSpPr>
-          <p:cNvPr id="271" name="PlaceHolder 1"/>
+          <p:cNvPr id="273" name="PlaceHolder 1"/>
           <p:cNvSpPr>
             <a:spLocks noGrp="1"/>
           </p:cNvSpPr>
@@ -668,7 +771,7 @@
         <p:spPr>
           <a:xfrm>
             <a:off x="216000" y="812520"/>
-            <a:ext cx="7126920" cy="4008600"/>
+            <a:ext cx="7126560" cy="4008240"/>
           </a:xfrm>
           <a:prstGeom prst="rect">
             <a:avLst/>
@@ -680,7 +783,7 @@
       </p:sp>
       <p:sp>
         <p:nvSpPr>
-          <p:cNvPr id="272" name="PlaceHolder 2"/>
+          <p:cNvPr id="274" name="PlaceHolder 2"/>
           <p:cNvSpPr>
             <a:spLocks noGrp="1"/>
           </p:cNvSpPr>
@@ -691,7 +794,7 @@
         <p:spPr>
           <a:xfrm>
             <a:off x="756000" y="5078520"/>
-            <a:ext cx="6047280" cy="4810680"/>
+            <a:ext cx="6046920" cy="4810320"/>
           </a:xfrm>
           <a:prstGeom prst="rect">
             <a:avLst/>
@@ -711,6 +814,9 @@
                 <a:spcPct val="100000"/>
               </a:lnSpc>
               <a:buNone/>
+              <a:tabLst>
+                <a:tab algn="l" pos="0"/>
+              </a:tabLst>
             </a:pPr>
             <a:r>
               <a:rPr b="0" lang="en-IE" sz="2000" spc="-1" strike="noStrike">
@@ -748,7 +854,7 @@
       </p:grpSpPr>
       <p:sp>
         <p:nvSpPr>
-          <p:cNvPr id="273" name="PlaceHolder 1"/>
+          <p:cNvPr id="275" name="PlaceHolder 1"/>
           <p:cNvSpPr>
             <a:spLocks noGrp="1"/>
           </p:cNvSpPr>
@@ -759,7 +865,7 @@
         <p:spPr>
           <a:xfrm>
             <a:off x="216000" y="812520"/>
-            <a:ext cx="7126920" cy="4008600"/>
+            <a:ext cx="7126560" cy="4008240"/>
           </a:xfrm>
           <a:prstGeom prst="rect">
             <a:avLst/>
@@ -771,7 +877,7 @@
       </p:sp>
       <p:sp>
         <p:nvSpPr>
-          <p:cNvPr id="274" name="PlaceHolder 2"/>
+          <p:cNvPr id="276" name="PlaceHolder 2"/>
           <p:cNvSpPr>
             <a:spLocks noGrp="1"/>
           </p:cNvSpPr>
@@ -782,7 +888,7 @@
         <p:spPr>
           <a:xfrm>
             <a:off x="756000" y="5078520"/>
-            <a:ext cx="6047280" cy="4810680"/>
+            <a:ext cx="6046920" cy="4810320"/>
           </a:xfrm>
           <a:prstGeom prst="rect">
             <a:avLst/>
@@ -802,6 +908,9 @@
                 <a:spcPct val="100000"/>
               </a:lnSpc>
               <a:buNone/>
+              <a:tabLst>
+                <a:tab algn="l" pos="0"/>
+              </a:tabLst>
             </a:pPr>
             <a:r>
               <a:rPr b="0" lang="en-IE" sz="2000" spc="-1" strike="noStrike">
@@ -839,7 +948,7 @@
       </p:grpSpPr>
       <p:sp>
         <p:nvSpPr>
-          <p:cNvPr id="275" name="PlaceHolder 1"/>
+          <p:cNvPr id="277" name="PlaceHolder 1"/>
           <p:cNvSpPr>
             <a:spLocks noGrp="1"/>
           </p:cNvSpPr>
@@ -850,7 +959,7 @@
         <p:spPr>
           <a:xfrm>
             <a:off x="216000" y="812520"/>
-            <a:ext cx="7126920" cy="4008600"/>
+            <a:ext cx="7126560" cy="4008240"/>
           </a:xfrm>
           <a:prstGeom prst="rect">
             <a:avLst/>
@@ -862,7 +971,7 @@
       </p:sp>
       <p:sp>
         <p:nvSpPr>
-          <p:cNvPr id="276" name="PlaceHolder 2"/>
+          <p:cNvPr id="278" name="PlaceHolder 2"/>
           <p:cNvSpPr>
             <a:spLocks noGrp="1"/>
           </p:cNvSpPr>
@@ -873,7 +982,7 @@
         <p:spPr>
           <a:xfrm>
             <a:off x="756000" y="5078520"/>
-            <a:ext cx="6047280" cy="4816440"/>
+            <a:ext cx="6046920" cy="4816080"/>
           </a:xfrm>
           <a:prstGeom prst="rect">
             <a:avLst/>
@@ -893,6 +1002,9 @@
                 <a:spcPct val="100000"/>
               </a:lnSpc>
               <a:buNone/>
+              <a:tabLst>
+                <a:tab algn="l" pos="0"/>
+              </a:tabLst>
             </a:pPr>
             <a:r>
               <a:rPr b="0" lang="en-IE" sz="2000" spc="-1" strike="noStrike">
@@ -910,6 +1022,9 @@
                 <a:spcPct val="100000"/>
               </a:lnSpc>
               <a:buNone/>
+              <a:tabLst>
+                <a:tab algn="l" pos="0"/>
+              </a:tabLst>
             </a:pPr>
             <a:r>
               <a:rPr b="0" lang="en-IE" sz="2000" spc="-1" strike="noStrike">
@@ -927,6 +1042,9 @@
                 <a:spcPct val="100000"/>
               </a:lnSpc>
               <a:buNone/>
+              <a:tabLst>
+                <a:tab algn="l" pos="0"/>
+              </a:tabLst>
             </a:pPr>
             <a:r>
               <a:rPr b="0" lang="en-IE" sz="2000" spc="-1" strike="noStrike">
@@ -944,6 +1062,9 @@
                 <a:spcPct val="100000"/>
               </a:lnSpc>
               <a:buNone/>
+              <a:tabLst>
+                <a:tab algn="l" pos="0"/>
+              </a:tabLst>
             </a:pPr>
             <a:r>
               <a:rPr b="0" lang="en-IE" sz="2000" spc="-1" strike="noStrike">
@@ -981,7 +1102,7 @@
       </p:grpSpPr>
       <p:sp>
         <p:nvSpPr>
-          <p:cNvPr id="261" name="PlaceHolder 1"/>
+          <p:cNvPr id="263" name="PlaceHolder 1"/>
           <p:cNvSpPr>
             <a:spLocks noGrp="1"/>
           </p:cNvSpPr>
@@ -992,7 +1113,7 @@
         <p:spPr>
           <a:xfrm>
             <a:off x="216000" y="812520"/>
-            <a:ext cx="7126920" cy="4008600"/>
+            <a:ext cx="7126560" cy="4008240"/>
           </a:xfrm>
           <a:prstGeom prst="rect">
             <a:avLst/>
@@ -1004,7 +1125,7 @@
       </p:sp>
       <p:sp>
         <p:nvSpPr>
-          <p:cNvPr id="262" name="PlaceHolder 2"/>
+          <p:cNvPr id="264" name="PlaceHolder 2"/>
           <p:cNvSpPr>
             <a:spLocks noGrp="1"/>
           </p:cNvSpPr>
@@ -1015,7 +1136,7 @@
         <p:spPr>
           <a:xfrm>
             <a:off x="135000" y="5078520"/>
-            <a:ext cx="7469640" cy="5586480"/>
+            <a:ext cx="7469280" cy="5586120"/>
           </a:xfrm>
           <a:prstGeom prst="rect">
             <a:avLst/>
@@ -1035,18 +1156,49 @@
                 <a:spcPct val="100000"/>
               </a:lnSpc>
               <a:buNone/>
+              <a:tabLst>
+                <a:tab algn="l" pos="0"/>
+              </a:tabLst>
             </a:pPr>
             <a:r>
               <a:rPr b="0" lang="en-IE" sz="1050" spc="-1" strike="noStrike">
                 <a:latin typeface="Arial"/>
               </a:rPr>
-              <a:t>you can check if it works by printing out the doc to pretty XML and the only problem I found with this is it kept putting in blank lines because the IT puts in carriage </a:t>
-            </a:r>
+              <a:t>you can check if it works by printing out the doc to pretty XML and the only problem I found with this is it kept putting in blank lines because the IT puts in carriage returns so it should really put in a is it Sep no it's end of line isn't it? End blank and that and that would stop that happening. </a:t>
+            </a:r>
+            <a:endParaRPr b="0" lang="en-IE" sz="1050" spc="-1" strike="noStrike">
+              <a:latin typeface="Arial"/>
+            </a:endParaRPr>
+          </a:p>
+          <a:p>
+            <a:pPr marL="216000" indent="-216000">
+              <a:lnSpc>
+                <a:spcPct val="100000"/>
+              </a:lnSpc>
+              <a:buNone/>
+              <a:tabLst>
+                <a:tab algn="l" pos="0"/>
+              </a:tabLst>
+            </a:pPr>
+            <a:endParaRPr b="0" lang="en-IE" sz="1050" spc="-1" strike="noStrike">
+              <a:latin typeface="Arial"/>
+            </a:endParaRPr>
+          </a:p>
+          <a:p>
+            <a:pPr marL="216000" indent="-216000">
+              <a:lnSpc>
+                <a:spcPct val="100000"/>
+              </a:lnSpc>
+              <a:buNone/>
+              <a:tabLst>
+                <a:tab algn="l" pos="0"/>
+              </a:tabLst>
+            </a:pPr>
             <a:r>
               <a:rPr b="0" lang="en-IE" sz="1050" spc="-1" strike="noStrike">
                 <a:latin typeface="Arial"/>
               </a:rPr>
-              <a:t>returns so it should really put in a is it Sep no it's end of line isn't it? End blank and that and that would stop that happening. </a:t>
+              <a:t>Use print (doc.toprettyxml(newl='')) </a:t>
             </a:r>
             <a:endParaRPr b="0" lang="en-IE" sz="1050" spc="-1" strike="noStrike">
               <a:latin typeface="Arial"/>
@@ -1058,8 +1210,11 @@
                 <a:spcPct val="100000"/>
               </a:lnSpc>
               <a:buNone/>
-            </a:pPr>
-            <a:endParaRPr b="0" lang="en-IE" sz="1050" spc="-1" strike="noStrike">
+              <a:tabLst>
+                <a:tab algn="l" pos="0"/>
+              </a:tabLst>
+            </a:pPr>
+            <a:endParaRPr b="0" lang="en-IE" sz="600" spc="-1" strike="noStrike">
               <a:latin typeface="Arial"/>
             </a:endParaRPr>
           </a:p>
@@ -1069,34 +1224,9 @@
                 <a:spcPct val="100000"/>
               </a:lnSpc>
               <a:buNone/>
-            </a:pPr>
-            <a:r>
-              <a:rPr b="0" lang="en-IE" sz="1050" spc="-1" strike="noStrike">
-                <a:latin typeface="Arial"/>
-              </a:rPr>
-              <a:t>Use print (doc.toprettyxml(newl='')) </a:t>
-            </a:r>
-            <a:endParaRPr b="0" lang="en-IE" sz="1050" spc="-1" strike="noStrike">
-              <a:latin typeface="Arial"/>
-            </a:endParaRPr>
-          </a:p>
-          <a:p>
-            <a:pPr marL="216000" indent="-216000">
-              <a:lnSpc>
-                <a:spcPct val="100000"/>
-              </a:lnSpc>
-              <a:buNone/>
-            </a:pPr>
-            <a:endParaRPr b="0" lang="en-IE" sz="600" spc="-1" strike="noStrike">
-              <a:latin typeface="Arial"/>
-            </a:endParaRPr>
-          </a:p>
-          <a:p>
-            <a:pPr marL="216000" indent="-216000">
-              <a:lnSpc>
-                <a:spcPct val="100000"/>
-              </a:lnSpc>
-              <a:buNone/>
+              <a:tabLst>
+                <a:tab algn="l" pos="0"/>
+              </a:tabLst>
             </a:pPr>
             <a:r>
               <a:rPr b="0" lang="en-IE" sz="1000" spc="-1" strike="noStrike">
@@ -1114,6 +1244,9 @@
                 <a:spcPct val="100000"/>
               </a:lnSpc>
               <a:buNone/>
+              <a:tabLst>
+                <a:tab algn="l" pos="0"/>
+              </a:tabLst>
             </a:pPr>
             <a:r>
               <a:rPr b="0" lang="en-IE" sz="1000" spc="-1" strike="noStrike">
@@ -1131,6 +1264,9 @@
                 <a:spcPct val="100000"/>
               </a:lnSpc>
               <a:buNone/>
+              <a:tabLst>
+                <a:tab algn="l" pos="0"/>
+              </a:tabLst>
             </a:pPr>
             <a:r>
               <a:rPr b="0" lang="en-IE" sz="1000" spc="-1" strike="noStrike">
@@ -1154,6 +1290,9 @@
                 <a:spcPct val="100000"/>
               </a:lnSpc>
               <a:buNone/>
+              <a:tabLst>
+                <a:tab algn="l" pos="0"/>
+              </a:tabLst>
             </a:pPr>
             <a:r>
               <a:rPr b="0" lang="en-IE" sz="1000" spc="-1" strike="noStrike">
@@ -1177,6 +1316,9 @@
                 <a:spcPct val="100000"/>
               </a:lnSpc>
               <a:buNone/>
+              <a:tabLst>
+                <a:tab algn="l" pos="0"/>
+              </a:tabLst>
             </a:pPr>
             <a:r>
               <a:rPr b="0" lang="en-IE" sz="1000" spc="-1" strike="noStrike">
@@ -1200,6 +1342,9 @@
                 <a:spcPct val="100000"/>
               </a:lnSpc>
               <a:buNone/>
+              <a:tabLst>
+                <a:tab algn="l" pos="0"/>
+              </a:tabLst>
             </a:pPr>
             <a:r>
               <a:rPr b="0" lang="en-IE" sz="1000" spc="-1" strike="noStrike">
@@ -1223,6 +1368,9 @@
                 <a:spcPct val="100000"/>
               </a:lnSpc>
               <a:buNone/>
+              <a:tabLst>
+                <a:tab algn="l" pos="0"/>
+              </a:tabLst>
             </a:pPr>
             <a:r>
               <a:rPr b="0" lang="en-IE" sz="1000" spc="-1" strike="noStrike">
@@ -1246,6 +1394,9 @@
                 <a:spcPct val="100000"/>
               </a:lnSpc>
               <a:buNone/>
+              <a:tabLst>
+                <a:tab algn="l" pos="0"/>
+              </a:tabLst>
             </a:pPr>
             <a:r>
               <a:rPr b="0" lang="en-IE" sz="1000" spc="-1" strike="noStrike">
@@ -1269,6 +1420,9 @@
                 <a:spcPct val="100000"/>
               </a:lnSpc>
               <a:buNone/>
+              <a:tabLst>
+                <a:tab algn="l" pos="0"/>
+              </a:tabLst>
             </a:pPr>
             <a:r>
               <a:rPr b="0" lang="en-IE" sz="1000" spc="-1" strike="noStrike">
@@ -1292,6 +1446,9 @@
                 <a:spcPct val="100000"/>
               </a:lnSpc>
               <a:buNone/>
+              <a:tabLst>
+                <a:tab algn="l" pos="0"/>
+              </a:tabLst>
             </a:pPr>
             <a:r>
               <a:rPr b="0" lang="en-IE" sz="1000" spc="-1" strike="noStrike">
@@ -1315,6 +1472,9 @@
                 <a:spcPct val="100000"/>
               </a:lnSpc>
               <a:buNone/>
+              <a:tabLst>
+                <a:tab algn="l" pos="0"/>
+              </a:tabLst>
             </a:pPr>
             <a:r>
               <a:rPr b="0" lang="en-IE" sz="1000" spc="-1" strike="noStrike">
@@ -1338,6 +1498,9 @@
                 <a:spcPct val="100000"/>
               </a:lnSpc>
               <a:buNone/>
+              <a:tabLst>
+                <a:tab algn="l" pos="0"/>
+              </a:tabLst>
             </a:pPr>
             <a:r>
               <a:rPr b="0" lang="en-IE" sz="1000" spc="-1" strike="noStrike">
@@ -1361,6 +1524,9 @@
                 <a:spcPct val="100000"/>
               </a:lnSpc>
               <a:buNone/>
+              <a:tabLst>
+                <a:tab algn="l" pos="0"/>
+              </a:tabLst>
             </a:pPr>
             <a:r>
               <a:rPr b="0" lang="en-IE" sz="1000" spc="-1" strike="noStrike">
@@ -1384,6 +1550,9 @@
                 <a:spcPct val="100000"/>
               </a:lnSpc>
               <a:buNone/>
+              <a:tabLst>
+                <a:tab algn="l" pos="0"/>
+              </a:tabLst>
             </a:pPr>
             <a:r>
               <a:rPr b="0" lang="en-IE" sz="1000" spc="-1" strike="noStrike">
@@ -1407,6 +1576,9 @@
                 <a:spcPct val="100000"/>
               </a:lnSpc>
               <a:buNone/>
+              <a:tabLst>
+                <a:tab algn="l" pos="0"/>
+              </a:tabLst>
             </a:pPr>
             <a:r>
               <a:rPr b="0" lang="en-IE" sz="1000" spc="-1" strike="noStrike">
@@ -1430,6 +1602,9 @@
                 <a:spcPct val="100000"/>
               </a:lnSpc>
               <a:buNone/>
+              <a:tabLst>
+                <a:tab algn="l" pos="0"/>
+              </a:tabLst>
             </a:pPr>
             <a:r>
               <a:rPr b="0" lang="en-IE" sz="1000" spc="-1" strike="noStrike">
@@ -1453,6 +1628,9 @@
                 <a:spcPct val="100000"/>
               </a:lnSpc>
               <a:buNone/>
+              <a:tabLst>
+                <a:tab algn="l" pos="0"/>
+              </a:tabLst>
             </a:pPr>
             <a:r>
               <a:rPr b="0" lang="en-IE" sz="1000" spc="-1" strike="noStrike">
@@ -1476,6 +1654,9 @@
                 <a:spcPct val="100000"/>
               </a:lnSpc>
               <a:buNone/>
+              <a:tabLst>
+                <a:tab algn="l" pos="0"/>
+              </a:tabLst>
             </a:pPr>
             <a:r>
               <a:rPr b="0" lang="en-IE" sz="1000" spc="-1" strike="noStrike">
@@ -1499,6 +1680,9 @@
                 <a:spcPct val="100000"/>
               </a:lnSpc>
               <a:buNone/>
+              <a:tabLst>
+                <a:tab algn="l" pos="0"/>
+              </a:tabLst>
             </a:pPr>
             <a:r>
               <a:rPr b="0" lang="en-IE" sz="1000" spc="-1" strike="noStrike">
@@ -1522,6 +1706,9 @@
                 <a:spcPct val="100000"/>
               </a:lnSpc>
               <a:buNone/>
+              <a:tabLst>
+                <a:tab algn="l" pos="0"/>
+              </a:tabLst>
             </a:pPr>
             <a:r>
               <a:rPr b="0" lang="en-IE" sz="1000" spc="-1" strike="noStrike">
@@ -1545,6 +1732,9 @@
                 <a:spcPct val="100000"/>
               </a:lnSpc>
               <a:buNone/>
+              <a:tabLst>
+                <a:tab algn="l" pos="0"/>
+              </a:tabLst>
             </a:pPr>
             <a:r>
               <a:rPr b="0" lang="en-IE" sz="1000" spc="-1" strike="noStrike">
@@ -1568,6 +1758,9 @@
                 <a:spcPct val="100000"/>
               </a:lnSpc>
               <a:buNone/>
+              <a:tabLst>
+                <a:tab algn="l" pos="0"/>
+              </a:tabLst>
             </a:pPr>
             <a:r>
               <a:rPr b="0" lang="en-IE" sz="1000" spc="-1" strike="noStrike">
@@ -1591,6 +1784,9 @@
                 <a:spcPct val="100000"/>
               </a:lnSpc>
               <a:buNone/>
+              <a:tabLst>
+                <a:tab algn="l" pos="0"/>
+              </a:tabLst>
             </a:pPr>
             <a:r>
               <a:rPr b="0" lang="en-IE" sz="1000" spc="-1" strike="noStrike">
@@ -1614,6 +1810,9 @@
                 <a:spcPct val="100000"/>
               </a:lnSpc>
               <a:buNone/>
+              <a:tabLst>
+                <a:tab algn="l" pos="0"/>
+              </a:tabLst>
             </a:pPr>
             <a:r>
               <a:rPr b="0" lang="en-IE" sz="1000" spc="-1" strike="noStrike">
@@ -1637,6 +1836,9 @@
                 <a:spcPct val="100000"/>
               </a:lnSpc>
               <a:buNone/>
+              <a:tabLst>
+                <a:tab algn="l" pos="0"/>
+              </a:tabLst>
             </a:pPr>
             <a:r>
               <a:rPr b="0" lang="en-IE" sz="1000" spc="-1" strike="noStrike">
@@ -1654,6 +1856,9 @@
                 <a:spcPct val="100000"/>
               </a:lnSpc>
               <a:buNone/>
+              <a:tabLst>
+                <a:tab algn="l" pos="0"/>
+              </a:tabLst>
             </a:pPr>
             <a:r>
               <a:rPr b="0" lang="en-IE" sz="1000" spc="-1" strike="noStrike">
@@ -1671,6 +1876,9 @@
                 <a:spcPct val="100000"/>
               </a:lnSpc>
               <a:buNone/>
+              <a:tabLst>
+                <a:tab algn="l" pos="0"/>
+              </a:tabLst>
             </a:pPr>
             <a:r>
               <a:rPr b="0" lang="en-IE" sz="1000" spc="-1" strike="noStrike">
@@ -1688,6 +1896,9 @@
                 <a:spcPct val="100000"/>
               </a:lnSpc>
               <a:buNone/>
+              <a:tabLst>
+                <a:tab algn="l" pos="0"/>
+              </a:tabLst>
             </a:pPr>
             <a:r>
               <a:rPr b="0" lang="en-IE" sz="1000" spc="-1" strike="noStrike">
@@ -1725,7 +1936,7 @@
       </p:grpSpPr>
       <p:sp>
         <p:nvSpPr>
-          <p:cNvPr id="263" name="PlaceHolder 1"/>
+          <p:cNvPr id="265" name="PlaceHolder 1"/>
           <p:cNvSpPr>
             <a:spLocks noGrp="1"/>
           </p:cNvSpPr>
@@ -1736,7 +1947,7 @@
         <p:spPr>
           <a:xfrm>
             <a:off x="216000" y="812520"/>
-            <a:ext cx="7126920" cy="4008600"/>
+            <a:ext cx="7126560" cy="4008240"/>
           </a:xfrm>
           <a:prstGeom prst="rect">
             <a:avLst/>
@@ -1748,7 +1959,7 @@
       </p:sp>
       <p:sp>
         <p:nvSpPr>
-          <p:cNvPr id="264" name="PlaceHolder 2"/>
+          <p:cNvPr id="266" name="PlaceHolder 2"/>
           <p:cNvSpPr>
             <a:spLocks noGrp="1"/>
           </p:cNvSpPr>
@@ -1759,7 +1970,7 @@
         <p:spPr>
           <a:xfrm>
             <a:off x="756000" y="5078520"/>
-            <a:ext cx="6047280" cy="4810680"/>
+            <a:ext cx="6046920" cy="4810320"/>
           </a:xfrm>
           <a:prstGeom prst="rect">
             <a:avLst/>
@@ -1779,6 +1990,9 @@
                 <a:spcPct val="100000"/>
               </a:lnSpc>
               <a:buNone/>
+              <a:tabLst>
+                <a:tab algn="l" pos="0"/>
+              </a:tabLst>
             </a:pPr>
             <a:r>
               <a:rPr b="0" lang="en-IE" sz="2000" spc="-1" strike="noStrike">
@@ -1802,6 +2016,9 @@
                 <a:spcPct val="100000"/>
               </a:lnSpc>
               <a:buNone/>
+              <a:tabLst>
+                <a:tab algn="l" pos="0"/>
+              </a:tabLst>
             </a:pPr>
             <a:r>
               <a:rPr b="0" lang="en-IE" sz="2000" spc="-1" strike="noStrike">
@@ -1819,6 +2036,9 @@
                 <a:spcPct val="100000"/>
               </a:lnSpc>
               <a:buNone/>
+              <a:tabLst>
+                <a:tab algn="l" pos="0"/>
+              </a:tabLst>
             </a:pPr>
             <a:endParaRPr b="0" lang="en-IE" sz="2000" spc="-1" strike="noStrike">
               <a:latin typeface="Arial"/>
@@ -1882,7 +2102,7 @@
         <p:txBody>
           <a:bodyPr/>
           <a:p>
-            <a:fld id="{E87BCD58-EF6F-4587-ABC0-5D2A00160020}" type="slidenum">
+            <a:fld id="{8138A0F2-6094-4B72-93DD-BA7734572E4F}" type="slidenum">
               <a:t>&lt;#&gt;</a:t>
             </a:fld>
           </a:p>
@@ -2070,7 +2290,7 @@
         <p:txBody>
           <a:bodyPr/>
           <a:p>
-            <a:fld id="{DB060873-28B3-40F7-9154-AA456802974F}" type="slidenum">
+            <a:fld id="{2BBB5A03-CFE0-4727-BCD6-008806C226B0}" type="slidenum">
               <a:t>&lt;#&gt;</a:t>
             </a:fld>
           </a:p>
@@ -2326,7 +2546,7 @@
         <p:txBody>
           <a:bodyPr/>
           <a:p>
-            <a:fld id="{748472B7-5FFD-4FA8-B47E-A1A15F6A63C9}" type="slidenum">
+            <a:fld id="{39BE7A9F-5819-48BA-8BA5-79BD1F0A1441}" type="slidenum">
               <a:t>&lt;#&gt;</a:t>
             </a:fld>
           </a:p>
@@ -2650,7 +2870,7 @@
         <p:txBody>
           <a:bodyPr/>
           <a:p>
-            <a:fld id="{11CB897A-79ED-44EC-8BC2-F952607A697D}" type="slidenum">
+            <a:fld id="{6AC13CB4-6DEB-4CA2-852C-5C5280114062}" type="slidenum">
               <a:t>&lt;#&gt;</a:t>
             </a:fld>
           </a:p>
@@ -2733,7 +2953,7 @@
         <p:txBody>
           <a:bodyPr/>
           <a:p>
-            <a:fld id="{C5C812F0-94D6-412F-BEB1-C1A01DEBD075}" type="slidenum">
+            <a:fld id="{FC762DD6-CEFF-449A-A1C0-3D0B233C513D}" type="slidenum">
               <a:t>&lt;#&gt;</a:t>
             </a:fld>
           </a:p>
@@ -2890,7 +3110,7 @@
         <p:txBody>
           <a:bodyPr/>
           <a:p>
-            <a:fld id="{6D76BD4C-82E7-4D4F-B907-571609DB24AB}" type="slidenum">
+            <a:fld id="{9107B7A2-86F6-451C-A6CA-37EA4E33A16F}" type="slidenum">
               <a:t>&lt;#&gt;</a:t>
             </a:fld>
           </a:p>
@@ -3044,7 +3264,7 @@
         <p:txBody>
           <a:bodyPr/>
           <a:p>
-            <a:fld id="{AAE3E6D4-CFC0-4758-992F-4917C1AADCD8}" type="slidenum">
+            <a:fld id="{E8CD9E54-761B-4821-95A4-F43D9D7FB7BF}" type="slidenum">
               <a:t>&lt;#&gt;</a:t>
             </a:fld>
           </a:p>
@@ -3232,7 +3452,7 @@
         <p:txBody>
           <a:bodyPr/>
           <a:p>
-            <a:fld id="{769B01F6-870A-45C0-BFE7-72CC6AA4E327}" type="slidenum">
+            <a:fld id="{1B27C90E-67CB-4A12-BCA3-5C52B34A4174}" type="slidenum">
               <a:t>&lt;#&gt;</a:t>
             </a:fld>
           </a:p>
@@ -3352,7 +3572,7 @@
         <p:txBody>
           <a:bodyPr/>
           <a:p>
-            <a:fld id="{9BCB4204-DD27-4806-AF47-8F644B3E5CB9}" type="slidenum">
+            <a:fld id="{E287AAA7-DA1D-4605-B368-37EC6CEC9A53}" type="slidenum">
               <a:t>&lt;#&gt;</a:t>
             </a:fld>
           </a:p>
@@ -3472,7 +3692,7 @@
         <p:txBody>
           <a:bodyPr/>
           <a:p>
-            <a:fld id="{E257615B-C2B6-487E-AB53-8E1A0A51E0E1}" type="slidenum">
+            <a:fld id="{1424197B-67BA-4678-A009-84AB2D2FC3CE}" type="slidenum">
               <a:t>&lt;#&gt;</a:t>
             </a:fld>
           </a:p>
@@ -3694,7 +3914,7 @@
         <p:txBody>
           <a:bodyPr/>
           <a:p>
-            <a:fld id="{5E835C23-A94F-4F54-A855-9D506AC113C6}" type="slidenum">
+            <a:fld id="{17628CFC-4A70-46D4-B5F6-C32CB4ED38CA}" type="slidenum">
               <a:t>&lt;#&gt;</a:t>
             </a:fld>
           </a:p>
@@ -3851,7 +4071,7 @@
         <p:txBody>
           <a:bodyPr/>
           <a:p>
-            <a:fld id="{52565078-D146-49D8-9F17-8303AF436E2D}" type="slidenum">
+            <a:fld id="{FB044866-8053-4CFE-A00E-43B33758B055}" type="slidenum">
               <a:t>&lt;#&gt;</a:t>
             </a:fld>
           </a:p>
@@ -4073,7 +4293,7 @@
         <p:txBody>
           <a:bodyPr/>
           <a:p>
-            <a:fld id="{9B5A0B6A-EF62-4310-9D35-396AC313C79B}" type="slidenum">
+            <a:fld id="{F173D890-972B-47A3-BBB9-27C7E4134E5B}" type="slidenum">
               <a:t>&lt;#&gt;</a:t>
             </a:fld>
           </a:p>
@@ -4295,7 +4515,7 @@
         <p:txBody>
           <a:bodyPr/>
           <a:p>
-            <a:fld id="{A2AE8216-3C23-4F4D-A818-1A508D3BD3CF}" type="slidenum">
+            <a:fld id="{BF24E36D-20CC-4005-B913-6B3428C05D57}" type="slidenum">
               <a:t>&lt;#&gt;</a:t>
             </a:fld>
           </a:p>
@@ -4483,7 +4703,7 @@
         <p:txBody>
           <a:bodyPr/>
           <a:p>
-            <a:fld id="{5A699938-2536-4156-AAB7-C25BA5335317}" type="slidenum">
+            <a:fld id="{2C1554EE-3CCB-4C10-A2BB-97B2BAFB2611}" type="slidenum">
               <a:t>&lt;#&gt;</a:t>
             </a:fld>
           </a:p>
@@ -4739,7 +4959,7 @@
         <p:txBody>
           <a:bodyPr/>
           <a:p>
-            <a:fld id="{39C7E656-B1FD-44CF-998A-3F011721A3E4}" type="slidenum">
+            <a:fld id="{CC797DEC-616E-4170-8832-E31816264817}" type="slidenum">
               <a:t>&lt;#&gt;</a:t>
             </a:fld>
           </a:p>
@@ -5063,7 +5283,7 @@
         <p:txBody>
           <a:bodyPr/>
           <a:p>
-            <a:fld id="{1EF23578-C097-4B35-AD96-8464C5A36992}" type="slidenum">
+            <a:fld id="{6DBE34D9-7EE7-4B74-BAED-32B9AC230FB7}" type="slidenum">
               <a:t>&lt;#&gt;</a:t>
             </a:fld>
           </a:p>
@@ -5217,7 +5437,7 @@
         <p:txBody>
           <a:bodyPr/>
           <a:p>
-            <a:fld id="{59EA8053-33D9-4F3C-A9D9-469973FCE891}" type="slidenum">
+            <a:fld id="{C190C4B2-AB3F-4099-A43B-6FB1352B5C10}" type="slidenum">
               <a:t>&lt;#&gt;</a:t>
             </a:fld>
           </a:p>
@@ -5405,7 +5625,7 @@
         <p:txBody>
           <a:bodyPr/>
           <a:p>
-            <a:fld id="{7CE367DE-6489-4876-91CB-506B4DA434EE}" type="slidenum">
+            <a:fld id="{3C6344AA-2480-46D0-B5BD-131BAB33DAEE}" type="slidenum">
               <a:t>&lt;#&gt;</a:t>
             </a:fld>
           </a:p>
@@ -5525,7 +5745,7 @@
         <p:txBody>
           <a:bodyPr/>
           <a:p>
-            <a:fld id="{6E00A3F6-2F5D-43D6-AE66-14D09CA218C4}" type="slidenum">
+            <a:fld id="{D04AF4FF-E33C-431B-AEDC-BF82806E37B8}" type="slidenum">
               <a:t>&lt;#&gt;</a:t>
             </a:fld>
           </a:p>
@@ -5645,7 +5865,7 @@
         <p:txBody>
           <a:bodyPr/>
           <a:p>
-            <a:fld id="{0C0B5631-D30C-4418-ADEA-4A9CEBA8C2C2}" type="slidenum">
+            <a:fld id="{82D1D3B2-BD76-4D1B-9D52-FAEFEAEB33B0}" type="slidenum">
               <a:t>&lt;#&gt;</a:t>
             </a:fld>
           </a:p>
@@ -5867,7 +6087,7 @@
         <p:txBody>
           <a:bodyPr/>
           <a:p>
-            <a:fld id="{E651A11C-2F84-4A9F-8104-12B47E925FE5}" type="slidenum">
+            <a:fld id="{19736BBB-961C-4D14-937E-EBD47DDCAA87}" type="slidenum">
               <a:t>&lt;#&gt;</a:t>
             </a:fld>
           </a:p>
@@ -6089,7 +6309,7 @@
         <p:txBody>
           <a:bodyPr/>
           <a:p>
-            <a:fld id="{340861E2-CDE8-4E4E-BCC5-D4F165FA0A00}" type="slidenum">
+            <a:fld id="{554EF430-7102-4FC9-BA2E-8AF47C18F7EE}" type="slidenum">
               <a:t>&lt;#&gt;</a:t>
             </a:fld>
           </a:p>
@@ -6311,7 +6531,7 @@
         <p:txBody>
           <a:bodyPr/>
           <a:p>
-            <a:fld id="{4CB424C3-2024-446E-8331-B2C5B3811992}" type="slidenum">
+            <a:fld id="{A0080AD6-C0E9-43E1-9F8D-FBBDC37E59A1}" type="slidenum">
               <a:t>&lt;#&gt;</a:t>
             </a:fld>
           </a:p>
@@ -6376,9 +6596,9 @@
         <p:grpSpPr>
           <a:xfrm>
             <a:off x="11401560" y="6229800"/>
-            <a:ext cx="456120" cy="456120"/>
+            <a:ext cx="455760" cy="455760"/>
             <a:chOff x="11401560" y="6229800"/>
-            <a:chExt cx="456120" cy="456120"/>
+            <a:chExt cx="455760" cy="455760"/>
           </a:xfrm>
         </p:grpSpPr>
         <p:sp>
@@ -6390,7 +6610,7 @@
           <p:spPr>
             <a:xfrm>
               <a:off x="11401560" y="6229800"/>
-              <a:ext cx="456120" cy="456120"/>
+              <a:ext cx="455760" cy="455760"/>
             </a:xfrm>
             <a:prstGeom prst="ellipse">
               <a:avLst/>
@@ -6420,7 +6640,7 @@
           <p:spPr>
             <a:xfrm>
               <a:off x="11431080" y="6258960"/>
-              <a:ext cx="397800" cy="397800"/>
+              <a:ext cx="397440" cy="397440"/>
             </a:xfrm>
             <a:prstGeom prst="ellipse">
               <a:avLst/>
@@ -6450,7 +6670,7 @@
         <p:spPr>
           <a:xfrm>
             <a:off x="920880" y="1347120"/>
-            <a:ext cx="10221840" cy="79560"/>
+            <a:ext cx="10221480" cy="79200"/>
           </a:xfrm>
           <a:prstGeom prst="rect">
             <a:avLst/>
@@ -6490,7 +6710,7 @@
         <p:spPr>
           <a:xfrm>
             <a:off x="920880" y="4299840"/>
-            <a:ext cx="10221840" cy="79560"/>
+            <a:ext cx="10221480" cy="79200"/>
           </a:xfrm>
           <a:prstGeom prst="rect">
             <a:avLst/>
@@ -6530,7 +6750,7 @@
         <p:spPr>
           <a:xfrm>
             <a:off x="920880" y="1484640"/>
-            <a:ext cx="10221840" cy="2742120"/>
+            <a:ext cx="10221480" cy="2741760"/>
           </a:xfrm>
           <a:prstGeom prst="rect">
             <a:avLst/>
@@ -6570,9 +6790,9 @@
         <p:grpSpPr>
           <a:xfrm>
             <a:off x="9649080" y="4069080"/>
-            <a:ext cx="1080000" cy="1080000"/>
+            <a:ext cx="1079640" cy="1079640"/>
             <a:chOff x="9649080" y="4069080"/>
-            <a:chExt cx="1080000" cy="1080000"/>
+            <a:chExt cx="1079640" cy="1079640"/>
           </a:xfrm>
         </p:grpSpPr>
         <p:sp>
@@ -6584,7 +6804,7 @@
           <p:spPr>
             <a:xfrm>
               <a:off x="9649080" y="4069080"/>
-              <a:ext cx="1080000" cy="1080000"/>
+              <a:ext cx="1079640" cy="1079640"/>
             </a:xfrm>
             <a:prstGeom prst="ellipse">
               <a:avLst/>
@@ -6614,7 +6834,7 @@
           <p:spPr>
             <a:xfrm>
               <a:off x="9757440" y="4177080"/>
-              <a:ext cx="863640" cy="863640"/>
+              <a:ext cx="863280" cy="863280"/>
             </a:xfrm>
             <a:prstGeom prst="ellipse">
               <a:avLst/>
@@ -6642,236 +6862,13 @@
             <a:spLocks noGrp="1"/>
           </p:cNvSpPr>
           <p:nvPr>
-            <p:ph type="title"/>
-          </p:nvPr>
-        </p:nvSpPr>
-        <p:spPr>
-          <a:xfrm>
-            <a:off x="609480" y="273600"/>
-            <a:ext cx="10972080" cy="1144440"/>
-          </a:xfrm>
-          <a:prstGeom prst="rect">
-            <a:avLst/>
-          </a:prstGeom>
-          <a:noFill/>
-          <a:ln w="0">
-            <a:noFill/>
-          </a:ln>
-        </p:spPr>
-        <p:txBody>
-          <a:bodyPr lIns="0" rIns="0" tIns="0" bIns="0" anchor="ctr">
-            <a:noAutofit/>
-          </a:bodyPr>
-          <a:p>
-            <a:r>
-              <a:rPr b="0" lang="en-IE" sz="1800" spc="-1" strike="noStrike">
-                <a:latin typeface="Arial"/>
-              </a:rPr>
-              <a:t>Click to edit the title text format</a:t>
-            </a:r>
-            <a:endParaRPr b="0" lang="en-IE" sz="1800" spc="-1" strike="noStrike">
-              <a:latin typeface="Arial"/>
-            </a:endParaRPr>
-          </a:p>
-        </p:txBody>
-      </p:sp>
-      <p:sp>
-        <p:nvSpPr>
-          <p:cNvPr id="10" name="PlaceHolder 2"/>
-          <p:cNvSpPr>
-            <a:spLocks noGrp="1"/>
-          </p:cNvSpPr>
-          <p:nvPr>
-            <p:ph type="body"/>
-          </p:nvPr>
-        </p:nvSpPr>
-        <p:spPr>
-          <a:xfrm>
-            <a:off x="609480" y="1604520"/>
-            <a:ext cx="10972080" cy="3976920"/>
-          </a:xfrm>
-          <a:prstGeom prst="rect">
-            <a:avLst/>
-          </a:prstGeom>
-          <a:noFill/>
-          <a:ln w="0">
-            <a:noFill/>
-          </a:ln>
-        </p:spPr>
-        <p:txBody>
-          <a:bodyPr lIns="0" rIns="0" tIns="0" bIns="0" anchor="t">
-            <a:normAutofit/>
-          </a:bodyPr>
-          <a:p>
-            <a:pPr marL="432000" indent="-324000">
-              <a:spcBef>
-                <a:spcPts val="1417"/>
-              </a:spcBef>
-              <a:buClr>
-                <a:srgbClr val="000000"/>
-              </a:buClr>
-              <a:buSzPct val="45000"/>
-              <a:buFont typeface="Wingdings" charset="2"/>
-              <a:buChar char=""/>
-            </a:pPr>
-            <a:r>
-              <a:rPr b="0" lang="en-IE" sz="1800" spc="-1" strike="noStrike">
-                <a:latin typeface="Arial"/>
-              </a:rPr>
-              <a:t>Click to edit the outline text format</a:t>
-            </a:r>
-            <a:endParaRPr b="0" lang="en-IE" sz="1800" spc="-1" strike="noStrike">
-              <a:latin typeface="Arial"/>
-            </a:endParaRPr>
-          </a:p>
-          <a:p>
-            <a:pPr lvl="1" marL="864000" indent="-324000">
-              <a:spcBef>
-                <a:spcPts val="1134"/>
-              </a:spcBef>
-              <a:buClr>
-                <a:srgbClr val="000000"/>
-              </a:buClr>
-              <a:buSzPct val="75000"/>
-              <a:buFont typeface="Symbol" charset="2"/>
-              <a:buChar char=""/>
-            </a:pPr>
-            <a:r>
-              <a:rPr b="0" lang="en-IE" sz="1800" spc="-1" strike="noStrike">
-                <a:latin typeface="Arial"/>
-              </a:rPr>
-              <a:t>Second Outline Level</a:t>
-            </a:r>
-            <a:endParaRPr b="0" lang="en-IE" sz="1800" spc="-1" strike="noStrike">
-              <a:latin typeface="Arial"/>
-            </a:endParaRPr>
-          </a:p>
-          <a:p>
-            <a:pPr lvl="2" marL="1296000" indent="-288000">
-              <a:spcBef>
-                <a:spcPts val="850"/>
-              </a:spcBef>
-              <a:buClr>
-                <a:srgbClr val="000000"/>
-              </a:buClr>
-              <a:buSzPct val="45000"/>
-              <a:buFont typeface="Wingdings" charset="2"/>
-              <a:buChar char=""/>
-            </a:pPr>
-            <a:r>
-              <a:rPr b="0" lang="en-IE" sz="1800" spc="-1" strike="noStrike">
-                <a:latin typeface="Arial"/>
-              </a:rPr>
-              <a:t>Third Outline Level</a:t>
-            </a:r>
-            <a:endParaRPr b="0" lang="en-IE" sz="1800" spc="-1" strike="noStrike">
-              <a:latin typeface="Arial"/>
-            </a:endParaRPr>
-          </a:p>
-          <a:p>
-            <a:pPr lvl="3" marL="1728000" indent="-216000">
-              <a:spcBef>
-                <a:spcPts val="567"/>
-              </a:spcBef>
-              <a:buClr>
-                <a:srgbClr val="000000"/>
-              </a:buClr>
-              <a:buSzPct val="75000"/>
-              <a:buFont typeface="Symbol" charset="2"/>
-              <a:buChar char=""/>
-            </a:pPr>
-            <a:r>
-              <a:rPr b="0" lang="en-IE" sz="1800" spc="-1" strike="noStrike">
-                <a:latin typeface="Arial"/>
-              </a:rPr>
-              <a:t>Fourth Outline Level</a:t>
-            </a:r>
-            <a:endParaRPr b="0" lang="en-IE" sz="1800" spc="-1" strike="noStrike">
-              <a:latin typeface="Arial"/>
-            </a:endParaRPr>
-          </a:p>
-          <a:p>
-            <a:pPr lvl="4" marL="2160000" indent="-216000">
-              <a:spcBef>
-                <a:spcPts val="283"/>
-              </a:spcBef>
-              <a:buClr>
-                <a:srgbClr val="000000"/>
-              </a:buClr>
-              <a:buSzPct val="45000"/>
-              <a:buFont typeface="Wingdings" charset="2"/>
-              <a:buChar char=""/>
-            </a:pPr>
-            <a:r>
-              <a:rPr b="0" lang="en-IE" sz="1800" spc="-1" strike="noStrike">
-                <a:latin typeface="Arial"/>
-              </a:rPr>
-              <a:t>Fifth Outline Level</a:t>
-            </a:r>
-            <a:endParaRPr b="0" lang="en-IE" sz="1800" spc="-1" strike="noStrike">
-              <a:latin typeface="Arial"/>
-            </a:endParaRPr>
-          </a:p>
-          <a:p>
-            <a:pPr lvl="5" marL="2592000" indent="-216000">
-              <a:spcBef>
-                <a:spcPts val="283"/>
-              </a:spcBef>
-              <a:buClr>
-                <a:srgbClr val="000000"/>
-              </a:buClr>
-              <a:buSzPct val="45000"/>
-              <a:buFont typeface="Wingdings" charset="2"/>
-              <a:buChar char=""/>
-            </a:pPr>
-            <a:r>
-              <a:rPr b="0" lang="en-IE" sz="1800" spc="-1" strike="noStrike">
-                <a:latin typeface="Arial"/>
-              </a:rPr>
-              <a:t>Sixth Outline Level</a:t>
-            </a:r>
-            <a:endParaRPr b="0" lang="en-IE" sz="1800" spc="-1" strike="noStrike">
-              <a:latin typeface="Arial"/>
-            </a:endParaRPr>
-          </a:p>
-          <a:p>
-            <a:pPr lvl="6" marL="3024000" indent="-216000">
-              <a:spcBef>
-                <a:spcPts val="283"/>
-              </a:spcBef>
-              <a:buClr>
-                <a:srgbClr val="000000"/>
-              </a:buClr>
-              <a:buSzPct val="45000"/>
-              <a:buFont typeface="Wingdings" charset="2"/>
-              <a:buChar char=""/>
-            </a:pPr>
-            <a:r>
-              <a:rPr b="0" lang="en-IE" sz="1800" spc="-1" strike="noStrike">
-                <a:latin typeface="Arial"/>
-              </a:rPr>
-              <a:t>Seventh Outline Level</a:t>
-            </a:r>
-            <a:endParaRPr b="0" lang="en-IE" sz="1800" spc="-1" strike="noStrike">
-              <a:latin typeface="Arial"/>
-            </a:endParaRPr>
-          </a:p>
-        </p:txBody>
-      </p:sp>
-      <p:sp>
-        <p:nvSpPr>
-          <p:cNvPr id="11" name="PlaceHolder 3"/>
-          <p:cNvSpPr>
-            <a:spLocks noGrp="1"/>
-          </p:cNvSpPr>
-          <p:nvPr>
             <p:ph type="ftr" idx="1"/>
           </p:nvPr>
         </p:nvSpPr>
         <p:spPr>
           <a:xfrm>
             <a:off x="1088280" y="6272640"/>
-            <a:ext cx="6326640" cy="363960"/>
+            <a:ext cx="6326280" cy="363600"/>
           </a:xfrm>
           <a:prstGeom prst="rect">
             <a:avLst/>
@@ -6917,7 +6914,7 @@
       </p:sp>
       <p:sp>
         <p:nvSpPr>
-          <p:cNvPr id="12" name="PlaceHolder 4"/>
+          <p:cNvPr id="10" name="PlaceHolder 2"/>
           <p:cNvSpPr>
             <a:spLocks noGrp="1"/>
           </p:cNvSpPr>
@@ -6928,7 +6925,7 @@
         <p:spPr>
           <a:xfrm>
             <a:off x="9592560" y="4289400"/>
-            <a:ext cx="1192680" cy="639000"/>
+            <a:ext cx="1192320" cy="638640"/>
           </a:xfrm>
           <a:prstGeom prst="rect">
             <a:avLst/>
@@ -6963,7 +6960,7 @@
               </a:lnSpc>
               <a:buNone/>
             </a:pPr>
-            <a:fld id="{FAA6BF14-4688-4FCD-9053-C2F5B915B430}" type="slidenum">
+            <a:fld id="{EDF5F8FE-B31B-42C6-B3B7-FFABAB13404F}" type="slidenum">
               <a:rPr b="1" lang="en-US" sz="2800" spc="-1" strike="noStrike">
                 <a:solidFill>
                   <a:srgbClr val="ffffff"/>
@@ -6980,7 +6977,7 @@
       </p:sp>
       <p:sp>
         <p:nvSpPr>
-          <p:cNvPr id="13" name="PlaceHolder 5"/>
+          <p:cNvPr id="11" name="PlaceHolder 3"/>
           <p:cNvSpPr>
             <a:spLocks noGrp="1"/>
           </p:cNvSpPr>
@@ -6991,7 +6988,7 @@
         <p:spPr>
           <a:xfrm>
             <a:off x="7964280" y="6272640"/>
-            <a:ext cx="3272400" cy="363960"/>
+            <a:ext cx="3272040" cy="363600"/>
           </a:xfrm>
           <a:prstGeom prst="rect">
             <a:avLst/>
@@ -7021,6 +7018,232 @@
             </a:r>
             <a:endParaRPr b="0" lang="en-IE" sz="1400" spc="-1" strike="noStrike">
               <a:latin typeface="Times New Roman"/>
+            </a:endParaRPr>
+          </a:p>
+        </p:txBody>
+      </p:sp>
+      <p:sp>
+        <p:nvSpPr>
+          <p:cNvPr id="12" name="PlaceHolder 4"/>
+          <p:cNvSpPr>
+            <a:spLocks noGrp="1"/>
+          </p:cNvSpPr>
+          <p:nvPr>
+            <p:ph type="title"/>
+          </p:nvPr>
+        </p:nvSpPr>
+        <p:spPr>
+          <a:xfrm>
+            <a:off x="609480" y="273600"/>
+            <a:ext cx="10972440" cy="1144800"/>
+          </a:xfrm>
+          <a:prstGeom prst="rect">
+            <a:avLst/>
+          </a:prstGeom>
+          <a:noFill/>
+          <a:ln w="0">
+            <a:noFill/>
+          </a:ln>
+        </p:spPr>
+        <p:txBody>
+          <a:bodyPr lIns="0" rIns="0" tIns="0" bIns="0" anchor="ctr">
+            <a:noAutofit/>
+          </a:bodyPr>
+          <a:p>
+            <a:pPr algn="ctr">
+              <a:buNone/>
+            </a:pPr>
+            <a:r>
+              <a:rPr b="0" lang="en-IE" sz="4400" spc="-1" strike="noStrike">
+                <a:latin typeface="Arial"/>
+              </a:rPr>
+              <a:t>Click to edit the title text format</a:t>
+            </a:r>
+            <a:endParaRPr b="0" lang="en-IE" sz="4400" spc="-1" strike="noStrike">
+              <a:latin typeface="Arial"/>
+            </a:endParaRPr>
+          </a:p>
+        </p:txBody>
+      </p:sp>
+      <p:sp>
+        <p:nvSpPr>
+          <p:cNvPr id="13" name="PlaceHolder 5"/>
+          <p:cNvSpPr>
+            <a:spLocks noGrp="1"/>
+          </p:cNvSpPr>
+          <p:nvPr>
+            <p:ph type="body"/>
+          </p:nvPr>
+        </p:nvSpPr>
+        <p:spPr>
+          <a:xfrm>
+            <a:off x="609480" y="1604520"/>
+            <a:ext cx="10972440" cy="3977280"/>
+          </a:xfrm>
+          <a:prstGeom prst="rect">
+            <a:avLst/>
+          </a:prstGeom>
+          <a:noFill/>
+          <a:ln w="0">
+            <a:noFill/>
+          </a:ln>
+        </p:spPr>
+        <p:txBody>
+          <a:bodyPr lIns="0" rIns="0" tIns="0" bIns="0" anchor="t">
+            <a:normAutofit/>
+          </a:bodyPr>
+          <a:p>
+            <a:pPr marL="432000" indent="-324000">
+              <a:spcBef>
+                <a:spcPts val="1417"/>
+              </a:spcBef>
+              <a:buClr>
+                <a:srgbClr val="000000"/>
+              </a:buClr>
+              <a:buSzPct val="45000"/>
+              <a:buFont typeface="Wingdings" charset="2"/>
+              <a:buChar char=""/>
+            </a:pPr>
+            <a:r>
+              <a:rPr b="0" lang="en-IE" sz="3200" spc="-1" strike="noStrike">
+                <a:latin typeface="Arial"/>
+              </a:rPr>
+              <a:t>Click to edit the outline text format</a:t>
+            </a:r>
+            <a:endParaRPr b="0" lang="en-IE" sz="3200" spc="-1" strike="noStrike">
+              <a:latin typeface="Arial"/>
+            </a:endParaRPr>
+          </a:p>
+          <a:p>
+            <a:pPr lvl="1" marL="864000" indent="-324000">
+              <a:spcBef>
+                <a:spcPts val="1134"/>
+              </a:spcBef>
+              <a:buClr>
+                <a:srgbClr val="000000"/>
+              </a:buClr>
+              <a:buSzPct val="75000"/>
+              <a:buFont typeface="Symbol" charset="2"/>
+              <a:buChar char=""/>
+            </a:pPr>
+            <a:r>
+              <a:rPr b="0" lang="en-IE" sz="2800" spc="-1" strike="noStrike">
+                <a:latin typeface="Arial"/>
+              </a:rPr>
+              <a:t>Second Outline Level</a:t>
+            </a:r>
+            <a:endParaRPr b="0" lang="en-IE" sz="2800" spc="-1" strike="noStrike">
+              <a:latin typeface="Arial"/>
+            </a:endParaRPr>
+          </a:p>
+          <a:p>
+            <a:pPr lvl="2" marL="1296000" indent="-288000">
+              <a:spcBef>
+                <a:spcPts val="850"/>
+              </a:spcBef>
+              <a:buClr>
+                <a:srgbClr val="000000"/>
+              </a:buClr>
+              <a:buSzPct val="45000"/>
+              <a:buFont typeface="Wingdings" charset="2"/>
+              <a:buChar char=""/>
+            </a:pPr>
+            <a:r>
+              <a:rPr b="0" lang="en-IE" sz="2400" spc="-1" strike="noStrike">
+                <a:latin typeface="Arial"/>
+              </a:rPr>
+              <a:t>Third Outline Level</a:t>
+            </a:r>
+            <a:endParaRPr b="0" lang="en-IE" sz="2400" spc="-1" strike="noStrike">
+              <a:latin typeface="Arial"/>
+            </a:endParaRPr>
+          </a:p>
+          <a:p>
+            <a:pPr lvl="3" marL="1728000" indent="-216000">
+              <a:spcBef>
+                <a:spcPts val="567"/>
+              </a:spcBef>
+              <a:buClr>
+                <a:srgbClr val="000000"/>
+              </a:buClr>
+              <a:buSzPct val="75000"/>
+              <a:buFont typeface="Symbol" charset="2"/>
+              <a:buChar char=""/>
+            </a:pPr>
+            <a:r>
+              <a:rPr b="0" lang="en-IE" sz="2000" spc="-1" strike="noStrike">
+                <a:latin typeface="Arial"/>
+              </a:rPr>
+              <a:t>Fourth Outline Level</a:t>
+            </a:r>
+            <a:endParaRPr b="0" lang="en-IE" sz="2000" spc="-1" strike="noStrike">
+              <a:latin typeface="Arial"/>
+            </a:endParaRPr>
+          </a:p>
+          <a:p>
+            <a:pPr lvl="4" marL="2160000" indent="-216000">
+              <a:spcBef>
+                <a:spcPts val="283"/>
+              </a:spcBef>
+              <a:buClr>
+                <a:srgbClr val="000000"/>
+              </a:buClr>
+              <a:buSzPct val="45000"/>
+              <a:buFont typeface="Wingdings" charset="2"/>
+              <a:buChar char=""/>
+            </a:pPr>
+            <a:r>
+              <a:rPr b="0" lang="en-IE" sz="2000" spc="-1" strike="noStrike">
+                <a:latin typeface="Arial"/>
+              </a:rPr>
+              <a:t>Fifth Outline Level</a:t>
+            </a:r>
+            <a:endParaRPr b="0" lang="en-IE" sz="2000" spc="-1" strike="noStrike">
+              <a:latin typeface="Arial"/>
+            </a:endParaRPr>
+          </a:p>
+          <a:p>
+            <a:pPr lvl="5" marL="2592000" indent="-216000">
+              <a:spcBef>
+                <a:spcPts val="283"/>
+              </a:spcBef>
+              <a:buClr>
+                <a:srgbClr val="000000"/>
+              </a:buClr>
+              <a:buSzPct val="45000"/>
+              <a:buFont typeface="Wingdings" charset="2"/>
+              <a:buChar char=""/>
+            </a:pPr>
+            <a:r>
+              <a:rPr b="0" lang="en-IE" sz="2000" spc="-1" strike="noStrike">
+                <a:latin typeface="Arial"/>
+              </a:rPr>
+              <a:t>Sixth Outline Level</a:t>
+            </a:r>
+            <a:endParaRPr b="0" lang="en-IE" sz="2000" spc="-1" strike="noStrike">
+              <a:latin typeface="Arial"/>
+            </a:endParaRPr>
+          </a:p>
+          <a:p>
+            <a:pPr lvl="6" marL="3024000" indent="-216000">
+              <a:spcBef>
+                <a:spcPts val="283"/>
+              </a:spcBef>
+              <a:buClr>
+                <a:srgbClr val="000000"/>
+              </a:buClr>
+              <a:buSzPct val="45000"/>
+              <a:buFont typeface="Wingdings" charset="2"/>
+              <a:buChar char=""/>
+            </a:pPr>
+            <a:r>
+              <a:rPr b="0" lang="en-IE" sz="2000" spc="-1" strike="noStrike">
+                <a:latin typeface="Arial"/>
+              </a:rPr>
+              <a:t>Seventh Outline Level</a:t>
+            </a:r>
+            <a:endParaRPr b="0" lang="en-IE" sz="2000" spc="-1" strike="noStrike">
+              <a:latin typeface="Arial"/>
             </a:endParaRPr>
           </a:p>
         </p:txBody>
@@ -7078,9 +7301,9 @@
         <p:grpSpPr>
           <a:xfrm>
             <a:off x="11401560" y="6229800"/>
-            <a:ext cx="456120" cy="456120"/>
+            <a:ext cx="455760" cy="455760"/>
             <a:chOff x="11401560" y="6229800"/>
-            <a:chExt cx="456120" cy="456120"/>
+            <a:chExt cx="455760" cy="455760"/>
           </a:xfrm>
         </p:grpSpPr>
         <p:sp>
@@ -7092,7 +7315,7 @@
           <p:spPr>
             <a:xfrm>
               <a:off x="11401560" y="6229800"/>
-              <a:ext cx="456120" cy="456120"/>
+              <a:ext cx="455760" cy="455760"/>
             </a:xfrm>
             <a:prstGeom prst="ellipse">
               <a:avLst/>
@@ -7122,7 +7345,7 @@
           <p:spPr>
             <a:xfrm>
               <a:off x="11431080" y="6258960"/>
-              <a:ext cx="397800" cy="397800"/>
+              <a:ext cx="397440" cy="397440"/>
             </a:xfrm>
             <a:prstGeom prst="ellipse">
               <a:avLst/>
@@ -7156,7 +7379,7 @@
         <p:spPr>
           <a:xfrm>
             <a:off x="1088280" y="6272640"/>
-            <a:ext cx="6326640" cy="363960"/>
+            <a:ext cx="6326280" cy="363600"/>
           </a:xfrm>
           <a:prstGeom prst="rect">
             <a:avLst/>
@@ -7213,7 +7436,7 @@
         <p:spPr>
           <a:xfrm>
             <a:off x="11311200" y="6272640"/>
-            <a:ext cx="639000" cy="363960"/>
+            <a:ext cx="638640" cy="363600"/>
           </a:xfrm>
           <a:prstGeom prst="rect">
             <a:avLst/>
@@ -7248,7 +7471,7 @@
               </a:lnSpc>
               <a:buNone/>
             </a:pPr>
-            <a:fld id="{2CD78307-47E1-4542-97DA-B091EF53DD50}" type="slidenum">
+            <a:fld id="{40B5A71B-5078-429C-8E1E-E02C7606F749}" type="slidenum">
               <a:rPr b="1" lang="en-US" sz="1400" spc="-1" strike="noStrike">
                 <a:solidFill>
                   <a:srgbClr val="ffffff"/>
@@ -7276,7 +7499,7 @@
         <p:spPr>
           <a:xfrm>
             <a:off x="7964280" y="6272640"/>
-            <a:ext cx="3272400" cy="363960"/>
+            <a:ext cx="3272040" cy="363600"/>
           </a:xfrm>
           <a:prstGeom prst="rect">
             <a:avLst/>
@@ -7586,7 +7809,7 @@
         <p:spPr>
           <a:xfrm>
             <a:off x="1051560" y="1432080"/>
-            <a:ext cx="9965880" cy="3034800"/>
+            <a:ext cx="9965520" cy="3034440"/>
           </a:xfrm>
           <a:prstGeom prst="rect">
             <a:avLst/>
@@ -7632,7 +7855,7 @@
         <p:spPr>
           <a:xfrm>
             <a:off x="1069920" y="4389120"/>
-            <a:ext cx="7890120" cy="1068840"/>
+            <a:ext cx="7889760" cy="1068480"/>
           </a:xfrm>
           <a:prstGeom prst="rect">
             <a:avLst/>
@@ -7762,7 +7985,7 @@
         <p:spPr>
           <a:xfrm>
             <a:off x="1069920" y="484560"/>
-            <a:ext cx="10057320" cy="1608120"/>
+            <a:ext cx="10056960" cy="1607760"/>
           </a:xfrm>
           <a:prstGeom prst="rect">
             <a:avLst/>
@@ -7808,7 +8031,7 @@
         <p:spPr>
           <a:xfrm>
             <a:off x="1069920" y="2121480"/>
-            <a:ext cx="10057320" cy="4049640"/>
+            <a:ext cx="10056960" cy="4049280"/>
           </a:xfrm>
           <a:prstGeom prst="rect">
             <a:avLst/>
@@ -7838,7 +8061,7 @@
         <p:spPr>
           <a:xfrm>
             <a:off x="1534320" y="2611800"/>
-            <a:ext cx="8324640" cy="1665720"/>
+            <a:ext cx="8324280" cy="1665360"/>
           </a:xfrm>
           <a:prstGeom prst="rect">
             <a:avLst/>
@@ -8245,7 +8468,7 @@
         <p:spPr>
           <a:xfrm>
             <a:off x="824760" y="525600"/>
-            <a:ext cx="10057320" cy="5558760"/>
+            <a:ext cx="10056960" cy="5558400"/>
           </a:xfrm>
           <a:prstGeom prst="rect">
             <a:avLst/>
@@ -8312,7 +8535,7 @@
         <p:spPr>
           <a:xfrm>
             <a:off x="4899240" y="1166040"/>
-            <a:ext cx="2104560" cy="519120"/>
+            <a:ext cx="2104200" cy="518760"/>
           </a:xfrm>
           <a:prstGeom prst="rect">
             <a:avLst/>
@@ -8398,7 +8621,7 @@
         <p:spPr>
           <a:xfrm>
             <a:off x="2434320" y="2242800"/>
-            <a:ext cx="2104560" cy="519120"/>
+            <a:ext cx="2104200" cy="518760"/>
           </a:xfrm>
           <a:prstGeom prst="rect">
             <a:avLst/>
@@ -8484,7 +8707,7 @@
         <p:spPr>
           <a:xfrm>
             <a:off x="790560" y="3305520"/>
-            <a:ext cx="1297800" cy="477000"/>
+            <a:ext cx="1297440" cy="476640"/>
           </a:xfrm>
           <a:prstGeom prst="rect">
             <a:avLst/>
@@ -8570,7 +8793,7 @@
         <p:spPr>
           <a:xfrm>
             <a:off x="790560" y="4300200"/>
-            <a:ext cx="1297800" cy="477000"/>
+            <a:ext cx="1297440" cy="476640"/>
           </a:xfrm>
           <a:prstGeom prst="rect">
             <a:avLst/>
@@ -8656,7 +8879,7 @@
         <p:spPr>
           <a:xfrm>
             <a:off x="2635920" y="4300200"/>
-            <a:ext cx="1297800" cy="477000"/>
+            <a:ext cx="1297440" cy="476640"/>
           </a:xfrm>
           <a:prstGeom prst="rect">
             <a:avLst/>
@@ -8742,7 +8965,7 @@
         <p:spPr>
           <a:xfrm>
             <a:off x="2643480" y="3316320"/>
-            <a:ext cx="1297800" cy="477000"/>
+            <a:ext cx="1297440" cy="476640"/>
           </a:xfrm>
           <a:prstGeom prst="rect">
             <a:avLst/>
@@ -8828,7 +9051,7 @@
         <p:spPr>
           <a:xfrm>
             <a:off x="4677120" y="4300200"/>
-            <a:ext cx="1297800" cy="477000"/>
+            <a:ext cx="1297440" cy="476640"/>
           </a:xfrm>
           <a:prstGeom prst="rect">
             <a:avLst/>
@@ -8914,7 +9137,7 @@
         <p:spPr>
           <a:xfrm>
             <a:off x="7004880" y="4301280"/>
-            <a:ext cx="1297800" cy="477000"/>
+            <a:ext cx="1297440" cy="476640"/>
           </a:xfrm>
           <a:prstGeom prst="rect">
             <a:avLst/>
@@ -9000,7 +9223,7 @@
         <p:spPr>
           <a:xfrm>
             <a:off x="8709120" y="4300200"/>
-            <a:ext cx="1297800" cy="477000"/>
+            <a:ext cx="1297440" cy="476640"/>
           </a:xfrm>
           <a:prstGeom prst="rect">
             <a:avLst/>
@@ -9086,7 +9309,7 @@
         <p:spPr>
           <a:xfrm>
             <a:off x="10562040" y="4300200"/>
-            <a:ext cx="1297800" cy="477000"/>
+            <a:ext cx="1297440" cy="476640"/>
           </a:xfrm>
           <a:prstGeom prst="rect">
             <a:avLst/>
@@ -9172,7 +9395,7 @@
         <p:spPr>
           <a:xfrm>
             <a:off x="4677120" y="3316320"/>
-            <a:ext cx="1297800" cy="477000"/>
+            <a:ext cx="1297440" cy="476640"/>
           </a:xfrm>
           <a:prstGeom prst="rect">
             <a:avLst/>
@@ -9258,7 +9481,7 @@
         <p:spPr>
           <a:xfrm>
             <a:off x="1308600" y="1425960"/>
-            <a:ext cx="1332000" cy="418320"/>
+            <a:ext cx="1331640" cy="417960"/>
           </a:xfrm>
           <a:prstGeom prst="roundRect">
             <a:avLst>
@@ -9367,7 +9590,7 @@
         <p:spPr>
           <a:xfrm>
             <a:off x="9955440" y="1425960"/>
-            <a:ext cx="1332000" cy="418320"/>
+            <a:ext cx="1331640" cy="417960"/>
           </a:xfrm>
           <a:prstGeom prst="roundRect">
             <a:avLst>
@@ -9476,7 +9699,7 @@
         <p:spPr>
           <a:xfrm>
             <a:off x="7997400" y="2238480"/>
-            <a:ext cx="2104560" cy="519120"/>
+            <a:ext cx="2104200" cy="518760"/>
           </a:xfrm>
           <a:prstGeom prst="rect">
             <a:avLst/>
@@ -9562,7 +9785,7 @@
         <p:spPr>
           <a:xfrm>
             <a:off x="7004880" y="3290400"/>
-            <a:ext cx="1297800" cy="477000"/>
+            <a:ext cx="1297440" cy="476640"/>
           </a:xfrm>
           <a:prstGeom prst="rect">
             <a:avLst/>
@@ -9648,7 +9871,7 @@
         <p:spPr>
           <a:xfrm>
             <a:off x="8709120" y="3305520"/>
-            <a:ext cx="1297800" cy="477000"/>
+            <a:ext cx="1297440" cy="476640"/>
           </a:xfrm>
           <a:prstGeom prst="rect">
             <a:avLst/>
@@ -9734,7 +9957,7 @@
         <p:spPr>
           <a:xfrm>
             <a:off x="10562040" y="3290400"/>
-            <a:ext cx="1297800" cy="477000"/>
+            <a:ext cx="1297440" cy="476640"/>
           </a:xfrm>
           <a:prstGeom prst="rect">
             <a:avLst/>
@@ -9819,8 +10042,8 @@
         </p:nvSpPr>
         <p:spPr>
           <a:xfrm rot="5400000">
-            <a:off x="4625280" y="618480"/>
-            <a:ext cx="258840" cy="2394000"/>
+            <a:off x="4625640" y="618480"/>
+            <a:ext cx="258480" cy="2393640"/>
           </a:xfrm>
           <a:prstGeom prst="bentConnector2">
             <a:avLst/>
@@ -9888,8 +10111,8 @@
         </p:nvSpPr>
         <p:spPr>
           <a:xfrm flipH="1" rot="16200000">
-            <a:off x="7409160" y="228600"/>
-            <a:ext cx="258840" cy="3174120"/>
+            <a:off x="7409520" y="228600"/>
+            <a:ext cx="258480" cy="3173760"/>
           </a:xfrm>
           <a:prstGeom prst="bentConnector2">
             <a:avLst/>
@@ -10025,8 +10248,8 @@
         </p:nvSpPr>
         <p:spPr>
           <a:xfrm rot="5400000">
-            <a:off x="2352600" y="1850760"/>
-            <a:ext cx="222480" cy="2045880"/>
+            <a:off x="2352960" y="1850760"/>
+            <a:ext cx="222120" cy="2045520"/>
           </a:xfrm>
           <a:prstGeom prst="bentConnector2">
             <a:avLst/>
@@ -10060,8 +10283,8 @@
         </p:nvSpPr>
         <p:spPr>
           <a:xfrm flipH="1" rot="16200000">
-            <a:off x="4294440" y="1954440"/>
-            <a:ext cx="222480" cy="1838520"/>
+            <a:off x="4294800" y="1954440"/>
+            <a:ext cx="222120" cy="1838160"/>
           </a:xfrm>
           <a:prstGeom prst="bentConnector2">
             <a:avLst/>
@@ -10095,8 +10318,8 @@
         </p:nvSpPr>
         <p:spPr>
           <a:xfrm rot="5400000">
-            <a:off x="8238240" y="2173320"/>
-            <a:ext cx="226800" cy="1397160"/>
+            <a:off x="8238600" y="2173320"/>
+            <a:ext cx="226440" cy="1396800"/>
           </a:xfrm>
           <a:prstGeom prst="bentConnector2">
             <a:avLst/>
@@ -10130,8 +10353,8 @@
         </p:nvSpPr>
         <p:spPr>
           <a:xfrm flipH="1" rot="16200000">
-            <a:off x="10011240" y="1798200"/>
-            <a:ext cx="226800" cy="2147760"/>
+            <a:off x="10010880" y="1798200"/>
+            <a:ext cx="226440" cy="2147400"/>
           </a:xfrm>
           <a:prstGeom prst="bentConnector2">
             <a:avLst/>
@@ -10678,7 +10901,7 @@
         <p:spPr>
           <a:xfrm>
             <a:off x="-10845720" y="-2735280"/>
-            <a:ext cx="24307920" cy="14069160"/>
+            <a:ext cx="24307560" cy="14068800"/>
           </a:xfrm>
           <a:custGeom>
             <a:avLst/>
@@ -10797,7 +11020,7 @@
         <p:spPr>
           <a:xfrm>
             <a:off x="1069920" y="484560"/>
-            <a:ext cx="10057320" cy="1608120"/>
+            <a:ext cx="10056960" cy="1607760"/>
           </a:xfrm>
           <a:prstGeom prst="rect">
             <a:avLst/>
@@ -10839,7 +11062,7 @@
         <p:spPr>
           <a:xfrm>
             <a:off x="1173240" y="2611800"/>
-            <a:ext cx="9884880" cy="1665720"/>
+            <a:ext cx="9884520" cy="1665360"/>
           </a:xfrm>
           <a:prstGeom prst="rect">
             <a:avLst/>
@@ -11073,7 +11296,7 @@
         <p:spPr>
           <a:xfrm>
             <a:off x="824760" y="525600"/>
-            <a:ext cx="10057320" cy="5558760"/>
+            <a:ext cx="10056960" cy="5558400"/>
           </a:xfrm>
           <a:prstGeom prst="rect">
             <a:avLst/>
@@ -11140,7 +11363,7 @@
         <p:spPr>
           <a:xfrm>
             <a:off x="4899240" y="1166040"/>
-            <a:ext cx="2104560" cy="519120"/>
+            <a:ext cx="2104200" cy="518760"/>
           </a:xfrm>
           <a:prstGeom prst="rect">
             <a:avLst/>
@@ -11226,7 +11449,7 @@
         <p:spPr>
           <a:xfrm>
             <a:off x="2434320" y="2242800"/>
-            <a:ext cx="2104560" cy="519120"/>
+            <a:ext cx="2104200" cy="518760"/>
           </a:xfrm>
           <a:prstGeom prst="rect">
             <a:avLst/>
@@ -11312,7 +11535,7 @@
         <p:spPr>
           <a:xfrm>
             <a:off x="790560" y="3305520"/>
-            <a:ext cx="1297800" cy="477000"/>
+            <a:ext cx="1297440" cy="476640"/>
           </a:xfrm>
           <a:prstGeom prst="rect">
             <a:avLst/>
@@ -11398,7 +11621,7 @@
         <p:spPr>
           <a:xfrm>
             <a:off x="790560" y="4300200"/>
-            <a:ext cx="1297800" cy="477000"/>
+            <a:ext cx="1297440" cy="476640"/>
           </a:xfrm>
           <a:prstGeom prst="rect">
             <a:avLst/>
@@ -11484,7 +11707,7 @@
         <p:spPr>
           <a:xfrm>
             <a:off x="2635920" y="4300200"/>
-            <a:ext cx="1297800" cy="477000"/>
+            <a:ext cx="1297440" cy="476640"/>
           </a:xfrm>
           <a:prstGeom prst="rect">
             <a:avLst/>
@@ -11570,7 +11793,7 @@
         <p:spPr>
           <a:xfrm>
             <a:off x="2643480" y="3316320"/>
-            <a:ext cx="1297800" cy="477000"/>
+            <a:ext cx="1297440" cy="476640"/>
           </a:xfrm>
           <a:prstGeom prst="rect">
             <a:avLst/>
@@ -11656,7 +11879,7 @@
         <p:spPr>
           <a:xfrm>
             <a:off x="4677120" y="4300200"/>
-            <a:ext cx="1297800" cy="477000"/>
+            <a:ext cx="1297440" cy="476640"/>
           </a:xfrm>
           <a:prstGeom prst="rect">
             <a:avLst/>
@@ -11742,7 +11965,7 @@
         <p:spPr>
           <a:xfrm>
             <a:off x="7004880" y="4301280"/>
-            <a:ext cx="1297800" cy="477000"/>
+            <a:ext cx="1297440" cy="476640"/>
           </a:xfrm>
           <a:prstGeom prst="rect">
             <a:avLst/>
@@ -11828,7 +12051,7 @@
         <p:spPr>
           <a:xfrm>
             <a:off x="8709120" y="4300200"/>
-            <a:ext cx="1297800" cy="477000"/>
+            <a:ext cx="1297440" cy="476640"/>
           </a:xfrm>
           <a:prstGeom prst="rect">
             <a:avLst/>
@@ -11914,7 +12137,7 @@
         <p:spPr>
           <a:xfrm>
             <a:off x="10562040" y="4300200"/>
-            <a:ext cx="1297800" cy="477000"/>
+            <a:ext cx="1297440" cy="476640"/>
           </a:xfrm>
           <a:prstGeom prst="rect">
             <a:avLst/>
@@ -12000,7 +12223,7 @@
         <p:spPr>
           <a:xfrm>
             <a:off x="4677120" y="3316320"/>
-            <a:ext cx="1297800" cy="477000"/>
+            <a:ext cx="1297440" cy="476640"/>
           </a:xfrm>
           <a:prstGeom prst="rect">
             <a:avLst/>
@@ -12086,7 +12309,7 @@
         <p:spPr>
           <a:xfrm>
             <a:off x="1308600" y="1425960"/>
-            <a:ext cx="1332000" cy="418320"/>
+            <a:ext cx="1331640" cy="417960"/>
           </a:xfrm>
           <a:prstGeom prst="roundRect">
             <a:avLst>
@@ -12195,7 +12418,7 @@
         <p:spPr>
           <a:xfrm>
             <a:off x="9955440" y="1425960"/>
-            <a:ext cx="1332000" cy="418320"/>
+            <a:ext cx="1331640" cy="417960"/>
           </a:xfrm>
           <a:prstGeom prst="roundRect">
             <a:avLst>
@@ -12304,7 +12527,7 @@
         <p:spPr>
           <a:xfrm>
             <a:off x="7997400" y="2238480"/>
-            <a:ext cx="2104560" cy="519120"/>
+            <a:ext cx="2104200" cy="518760"/>
           </a:xfrm>
           <a:prstGeom prst="rect">
             <a:avLst/>
@@ -12390,7 +12613,7 @@
         <p:spPr>
           <a:xfrm>
             <a:off x="7004880" y="3290400"/>
-            <a:ext cx="1297800" cy="477000"/>
+            <a:ext cx="1297440" cy="476640"/>
           </a:xfrm>
           <a:prstGeom prst="rect">
             <a:avLst/>
@@ -12476,7 +12699,7 @@
         <p:spPr>
           <a:xfrm>
             <a:off x="8709120" y="3305520"/>
-            <a:ext cx="1297800" cy="477000"/>
+            <a:ext cx="1297440" cy="476640"/>
           </a:xfrm>
           <a:prstGeom prst="rect">
             <a:avLst/>
@@ -12562,7 +12785,7 @@
         <p:spPr>
           <a:xfrm>
             <a:off x="10562040" y="3290400"/>
-            <a:ext cx="1297800" cy="477000"/>
+            <a:ext cx="1297440" cy="476640"/>
           </a:xfrm>
           <a:prstGeom prst="rect">
             <a:avLst/>
@@ -12647,8 +12870,8 @@
         </p:nvSpPr>
         <p:spPr>
           <a:xfrm rot="5400000">
-            <a:off x="4625280" y="618480"/>
-            <a:ext cx="258840" cy="2394000"/>
+            <a:off x="4625640" y="618480"/>
+            <a:ext cx="258480" cy="2393640"/>
           </a:xfrm>
           <a:prstGeom prst="bentConnector2">
             <a:avLst/>
@@ -12716,8 +12939,8 @@
         </p:nvSpPr>
         <p:spPr>
           <a:xfrm flipH="1" rot="16200000">
-            <a:off x="7409160" y="228600"/>
-            <a:ext cx="258840" cy="3174120"/>
+            <a:off x="7409520" y="228600"/>
+            <a:ext cx="258480" cy="3173760"/>
           </a:xfrm>
           <a:prstGeom prst="bentConnector2">
             <a:avLst/>
@@ -12853,8 +13076,8 @@
         </p:nvSpPr>
         <p:spPr>
           <a:xfrm rot="5400000">
-            <a:off x="2352600" y="1850760"/>
-            <a:ext cx="222480" cy="2045880"/>
+            <a:off x="2352960" y="1850760"/>
+            <a:ext cx="222120" cy="2045520"/>
           </a:xfrm>
           <a:prstGeom prst="bentConnector2">
             <a:avLst/>
@@ -12888,8 +13111,8 @@
         </p:nvSpPr>
         <p:spPr>
           <a:xfrm flipH="1" rot="16200000">
-            <a:off x="4294440" y="1954440"/>
-            <a:ext cx="222480" cy="1838520"/>
+            <a:off x="4294800" y="1954440"/>
+            <a:ext cx="222120" cy="1838160"/>
           </a:xfrm>
           <a:prstGeom prst="bentConnector2">
             <a:avLst/>
@@ -12923,8 +13146,8 @@
         </p:nvSpPr>
         <p:spPr>
           <a:xfrm rot="5400000">
-            <a:off x="8238240" y="2173320"/>
-            <a:ext cx="226800" cy="1397160"/>
+            <a:off x="8238600" y="2173320"/>
+            <a:ext cx="226440" cy="1396800"/>
           </a:xfrm>
           <a:prstGeom prst="bentConnector2">
             <a:avLst/>
@@ -12958,8 +13181,8 @@
         </p:nvSpPr>
         <p:spPr>
           <a:xfrm flipH="1" rot="16200000">
-            <a:off x="10011240" y="1798200"/>
-            <a:ext cx="226800" cy="2147760"/>
+            <a:off x="10010880" y="1798200"/>
+            <a:ext cx="226440" cy="2147400"/>
           </a:xfrm>
           <a:prstGeom prst="bentConnector2">
             <a:avLst/>
@@ -13506,7 +13729,7 @@
         <p:spPr>
           <a:xfrm>
             <a:off x="-11876400" y="-5740560"/>
-            <a:ext cx="26368920" cy="23183280"/>
+            <a:ext cx="26368560" cy="23182920"/>
           </a:xfrm>
           <a:custGeom>
             <a:avLst/>
@@ -13625,7 +13848,7 @@
         <p:spPr>
           <a:xfrm>
             <a:off x="1069920" y="484560"/>
-            <a:ext cx="10057320" cy="1608120"/>
+            <a:ext cx="10056960" cy="1607760"/>
           </a:xfrm>
           <a:prstGeom prst="rect">
             <a:avLst/>
@@ -13667,7 +13890,7 @@
         <p:spPr>
           <a:xfrm>
             <a:off x="1173240" y="2611800"/>
-            <a:ext cx="9884880" cy="898200"/>
+            <a:ext cx="9884520" cy="897840"/>
           </a:xfrm>
           <a:prstGeom prst="rect">
             <a:avLst/>
@@ -13861,7 +14084,7 @@
         <p:spPr>
           <a:xfrm>
             <a:off x="1069920" y="484560"/>
-            <a:ext cx="10057320" cy="1608120"/>
+            <a:ext cx="10056960" cy="1607760"/>
           </a:xfrm>
           <a:prstGeom prst="rect">
             <a:avLst/>
@@ -13903,7 +14126,7 @@
         <p:spPr>
           <a:xfrm>
             <a:off x="1173240" y="1768320"/>
-            <a:ext cx="8677080" cy="4665960"/>
+            <a:ext cx="8676720" cy="4665600"/>
           </a:xfrm>
           <a:prstGeom prst="rect">
             <a:avLst/>
@@ -14842,7 +15065,7 @@
         <p:spPr>
           <a:xfrm>
             <a:off x="1069920" y="484560"/>
-            <a:ext cx="10057320" cy="1608120"/>
+            <a:ext cx="10056960" cy="1607760"/>
           </a:xfrm>
           <a:prstGeom prst="rect">
             <a:avLst/>
@@ -14891,7 +15114,7 @@
         <p:spPr>
           <a:xfrm>
             <a:off x="1069920" y="2121480"/>
-            <a:ext cx="10057320" cy="4049640"/>
+            <a:ext cx="10056960" cy="4049280"/>
           </a:xfrm>
           <a:prstGeom prst="rect">
             <a:avLst/>
@@ -15016,7 +15239,7 @@
         <p:spPr>
           <a:xfrm>
             <a:off x="1069920" y="484560"/>
-            <a:ext cx="10057320" cy="1608120"/>
+            <a:ext cx="10056960" cy="1607760"/>
           </a:xfrm>
           <a:prstGeom prst="rect">
             <a:avLst/>
@@ -15062,7 +15285,7 @@
         <p:spPr>
           <a:xfrm>
             <a:off x="1069920" y="2121480"/>
-            <a:ext cx="10057320" cy="4049640"/>
+            <a:ext cx="10056960" cy="4049280"/>
           </a:xfrm>
           <a:prstGeom prst="rect">
             <a:avLst/>
@@ -15295,7 +15518,7 @@
         <p:spPr>
           <a:xfrm>
             <a:off x="1069920" y="484560"/>
-            <a:ext cx="10057320" cy="1608120"/>
+            <a:ext cx="10056960" cy="1607760"/>
           </a:xfrm>
           <a:prstGeom prst="rect">
             <a:avLst/>
@@ -15341,7 +15564,7 @@
         <p:spPr>
           <a:xfrm>
             <a:off x="1069920" y="2121480"/>
-            <a:ext cx="10057320" cy="4049640"/>
+            <a:ext cx="10056960" cy="4049280"/>
           </a:xfrm>
           <a:prstGeom prst="rect">
             <a:avLst/>
@@ -15492,7 +15715,7 @@
         <p:spPr>
           <a:xfrm>
             <a:off x="1516680" y="4680000"/>
-            <a:ext cx="6266520" cy="1350720"/>
+            <a:ext cx="6266160" cy="1350360"/>
           </a:xfrm>
           <a:prstGeom prst="rect">
             <a:avLst/>
@@ -15745,7 +15968,7 @@
         <p:spPr>
           <a:xfrm>
             <a:off x="1516680" y="2577960"/>
-            <a:ext cx="5066280" cy="1342080"/>
+            <a:ext cx="5065920" cy="1341720"/>
           </a:xfrm>
           <a:prstGeom prst="rect">
             <a:avLst/>
@@ -15986,7 +16209,7 @@
         <p:spPr>
           <a:xfrm>
             <a:off x="1069920" y="484560"/>
-            <a:ext cx="10057320" cy="1608120"/>
+            <a:ext cx="10056960" cy="1607760"/>
           </a:xfrm>
           <a:prstGeom prst="rect">
             <a:avLst/>
@@ -16028,7 +16251,7 @@
         <p:spPr>
           <a:xfrm>
             <a:off x="1066680" y="2013120"/>
-            <a:ext cx="10057320" cy="79560"/>
+            <a:ext cx="10056960" cy="79200"/>
           </a:xfrm>
           <a:prstGeom prst="rect">
             <a:avLst/>
@@ -17326,7 +17549,7 @@
         <p:spPr>
           <a:xfrm>
             <a:off x="1069920" y="484560"/>
-            <a:ext cx="10057320" cy="1608120"/>
+            <a:ext cx="10056960" cy="1607760"/>
           </a:xfrm>
           <a:prstGeom prst="rect">
             <a:avLst/>
@@ -17372,7 +17595,7 @@
         <p:spPr>
           <a:xfrm>
             <a:off x="1154160" y="3433320"/>
-            <a:ext cx="3780000" cy="3190680"/>
+            <a:ext cx="3779640" cy="3190320"/>
           </a:xfrm>
           <a:prstGeom prst="rect">
             <a:avLst/>
@@ -18099,7 +18322,7 @@
         <p:spPr>
           <a:xfrm>
             <a:off x="1063800" y="2094120"/>
-            <a:ext cx="7741800" cy="1461240"/>
+            <a:ext cx="7741440" cy="1461240"/>
           </a:xfrm>
           <a:prstGeom prst="rect">
             <a:avLst/>
@@ -18205,7 +18428,7 @@
         <p:spPr>
           <a:xfrm>
             <a:off x="5838840" y="3433320"/>
-            <a:ext cx="5729760" cy="2943360"/>
+            <a:ext cx="5729400" cy="2943000"/>
           </a:xfrm>
           <a:prstGeom prst="rect">
             <a:avLst/>
@@ -18901,7 +19124,7 @@
         <p:spPr>
           <a:xfrm>
             <a:off x="1069920" y="484560"/>
-            <a:ext cx="10057320" cy="1608120"/>
+            <a:ext cx="10056960" cy="1607760"/>
           </a:xfrm>
           <a:prstGeom prst="rect">
             <a:avLst/>
@@ -18947,7 +19170,7 @@
         <p:spPr>
           <a:xfrm>
             <a:off x="1069920" y="2121480"/>
-            <a:ext cx="10057320" cy="4049640"/>
+            <a:ext cx="10056960" cy="4049280"/>
           </a:xfrm>
           <a:prstGeom prst="rect">
             <a:avLst/>
@@ -21818,7 +22041,7 @@
         <p:spPr>
           <a:xfrm>
             <a:off x="1069920" y="484560"/>
-            <a:ext cx="10057320" cy="1608120"/>
+            <a:ext cx="10056960" cy="1607760"/>
           </a:xfrm>
           <a:prstGeom prst="rect">
             <a:avLst/>
@@ -21894,7 +22117,7 @@
         <p:spPr>
           <a:xfrm>
             <a:off x="1069920" y="763560"/>
-            <a:ext cx="10057320" cy="5407560"/>
+            <a:ext cx="10056960" cy="5407200"/>
           </a:xfrm>
           <a:prstGeom prst="rect">
             <a:avLst/>
@@ -22671,7 +22894,7 @@
         <p:spPr>
           <a:xfrm>
             <a:off x="824760" y="525600"/>
-            <a:ext cx="10057320" cy="5558760"/>
+            <a:ext cx="10056960" cy="5558400"/>
           </a:xfrm>
           <a:prstGeom prst="rect">
             <a:avLst/>
@@ -22738,7 +22961,7 @@
         <p:spPr>
           <a:xfrm>
             <a:off x="4899240" y="1166040"/>
-            <a:ext cx="2104560" cy="519120"/>
+            <a:ext cx="2104200" cy="518760"/>
           </a:xfrm>
           <a:prstGeom prst="rect">
             <a:avLst/>
@@ -22824,7 +23047,7 @@
         <p:spPr>
           <a:xfrm>
             <a:off x="2434320" y="2242800"/>
-            <a:ext cx="2104560" cy="519120"/>
+            <a:ext cx="2104200" cy="518760"/>
           </a:xfrm>
           <a:prstGeom prst="rect">
             <a:avLst/>
@@ -22910,7 +23133,7 @@
         <p:spPr>
           <a:xfrm>
             <a:off x="790560" y="3305520"/>
-            <a:ext cx="1297800" cy="477000"/>
+            <a:ext cx="1297440" cy="476640"/>
           </a:xfrm>
           <a:prstGeom prst="rect">
             <a:avLst/>
@@ -22996,7 +23219,7 @@
         <p:spPr>
           <a:xfrm>
             <a:off x="790560" y="4300200"/>
-            <a:ext cx="1297800" cy="477000"/>
+            <a:ext cx="1297440" cy="476640"/>
           </a:xfrm>
           <a:prstGeom prst="rect">
             <a:avLst/>
@@ -23082,7 +23305,7 @@
         <p:spPr>
           <a:xfrm>
             <a:off x="2635920" y="4300200"/>
-            <a:ext cx="1297800" cy="477000"/>
+            <a:ext cx="1297440" cy="476640"/>
           </a:xfrm>
           <a:prstGeom prst="rect">
             <a:avLst/>
@@ -23168,7 +23391,7 @@
         <p:spPr>
           <a:xfrm>
             <a:off x="2643480" y="3316320"/>
-            <a:ext cx="1297800" cy="477000"/>
+            <a:ext cx="1297440" cy="476640"/>
           </a:xfrm>
           <a:prstGeom prst="rect">
             <a:avLst/>
@@ -23254,7 +23477,7 @@
         <p:spPr>
           <a:xfrm>
             <a:off x="4677120" y="4300200"/>
-            <a:ext cx="1297800" cy="477000"/>
+            <a:ext cx="1297440" cy="476640"/>
           </a:xfrm>
           <a:prstGeom prst="rect">
             <a:avLst/>
@@ -23340,7 +23563,7 @@
         <p:spPr>
           <a:xfrm>
             <a:off x="7004880" y="4301280"/>
-            <a:ext cx="1297800" cy="477000"/>
+            <a:ext cx="1297440" cy="476640"/>
           </a:xfrm>
           <a:prstGeom prst="rect">
             <a:avLst/>
@@ -23426,7 +23649,7 @@
         <p:spPr>
           <a:xfrm>
             <a:off x="8709120" y="4300200"/>
-            <a:ext cx="1297800" cy="477000"/>
+            <a:ext cx="1297440" cy="476640"/>
           </a:xfrm>
           <a:prstGeom prst="rect">
             <a:avLst/>
@@ -23512,7 +23735,7 @@
         <p:spPr>
           <a:xfrm>
             <a:off x="10562040" y="4300200"/>
-            <a:ext cx="1297800" cy="477000"/>
+            <a:ext cx="1297440" cy="476640"/>
           </a:xfrm>
           <a:prstGeom prst="rect">
             <a:avLst/>
@@ -23598,7 +23821,7 @@
         <p:spPr>
           <a:xfrm>
             <a:off x="4677120" y="3316320"/>
-            <a:ext cx="1297800" cy="477000"/>
+            <a:ext cx="1297440" cy="476640"/>
           </a:xfrm>
           <a:prstGeom prst="rect">
             <a:avLst/>
@@ -23684,7 +23907,7 @@
         <p:spPr>
           <a:xfrm>
             <a:off x="1308600" y="1425960"/>
-            <a:ext cx="1332000" cy="418320"/>
+            <a:ext cx="1331640" cy="417960"/>
           </a:xfrm>
           <a:prstGeom prst="roundRect">
             <a:avLst>
@@ -23793,7 +24016,7 @@
         <p:spPr>
           <a:xfrm>
             <a:off x="9955440" y="1425960"/>
-            <a:ext cx="1332000" cy="418320"/>
+            <a:ext cx="1331640" cy="417960"/>
           </a:xfrm>
           <a:prstGeom prst="roundRect">
             <a:avLst>
@@ -23902,7 +24125,7 @@
         <p:spPr>
           <a:xfrm>
             <a:off x="7997400" y="2238480"/>
-            <a:ext cx="2104560" cy="519120"/>
+            <a:ext cx="2104200" cy="518760"/>
           </a:xfrm>
           <a:prstGeom prst="rect">
             <a:avLst/>
@@ -23988,7 +24211,7 @@
         <p:spPr>
           <a:xfrm>
             <a:off x="7004880" y="3290400"/>
-            <a:ext cx="1297800" cy="477000"/>
+            <a:ext cx="1297440" cy="476640"/>
           </a:xfrm>
           <a:prstGeom prst="rect">
             <a:avLst/>
@@ -24074,7 +24297,7 @@
         <p:spPr>
           <a:xfrm>
             <a:off x="8709120" y="3305520"/>
-            <a:ext cx="1297800" cy="477000"/>
+            <a:ext cx="1297440" cy="476640"/>
           </a:xfrm>
           <a:prstGeom prst="rect">
             <a:avLst/>
@@ -24160,7 +24383,7 @@
         <p:spPr>
           <a:xfrm>
             <a:off x="10562040" y="3290400"/>
-            <a:ext cx="1297800" cy="477000"/>
+            <a:ext cx="1297440" cy="476640"/>
           </a:xfrm>
           <a:prstGeom prst="rect">
             <a:avLst/>
@@ -24245,8 +24468,8 @@
         </p:nvSpPr>
         <p:spPr>
           <a:xfrm rot="5400000">
-            <a:off x="4625280" y="618480"/>
-            <a:ext cx="258840" cy="2394000"/>
+            <a:off x="4625640" y="618480"/>
+            <a:ext cx="258480" cy="2393640"/>
           </a:xfrm>
           <a:prstGeom prst="bentConnector2">
             <a:avLst/>
@@ -24314,8 +24537,8 @@
         </p:nvSpPr>
         <p:spPr>
           <a:xfrm flipH="1" rot="16200000">
-            <a:off x="7409160" y="228600"/>
-            <a:ext cx="258840" cy="3174120"/>
+            <a:off x="7409520" y="228600"/>
+            <a:ext cx="258480" cy="3173760"/>
           </a:xfrm>
           <a:prstGeom prst="bentConnector2">
             <a:avLst/>
@@ -24451,8 +24674,8 @@
         </p:nvSpPr>
         <p:spPr>
           <a:xfrm rot="5400000">
-            <a:off x="2352600" y="1850760"/>
-            <a:ext cx="222480" cy="2045880"/>
+            <a:off x="2352960" y="1850760"/>
+            <a:ext cx="222120" cy="2045520"/>
           </a:xfrm>
           <a:prstGeom prst="bentConnector2">
             <a:avLst/>
@@ -24486,8 +24709,8 @@
         </p:nvSpPr>
         <p:spPr>
           <a:xfrm flipH="1" rot="16200000">
-            <a:off x="4294440" y="1954440"/>
-            <a:ext cx="222480" cy="1838520"/>
+            <a:off x="4294800" y="1954440"/>
+            <a:ext cx="222120" cy="1838160"/>
           </a:xfrm>
           <a:prstGeom prst="bentConnector2">
             <a:avLst/>
@@ -24521,8 +24744,8 @@
         </p:nvSpPr>
         <p:spPr>
           <a:xfrm rot="5400000">
-            <a:off x="8238240" y="2173320"/>
-            <a:ext cx="226800" cy="1397160"/>
+            <a:off x="8238600" y="2173320"/>
+            <a:ext cx="226440" cy="1396800"/>
           </a:xfrm>
           <a:prstGeom prst="bentConnector2">
             <a:avLst/>
@@ -24556,8 +24779,8 @@
         </p:nvSpPr>
         <p:spPr>
           <a:xfrm flipH="1" rot="16200000">
-            <a:off x="10011240" y="1798200"/>
-            <a:ext cx="226800" cy="2147760"/>
+            <a:off x="10010880" y="1798200"/>
+            <a:ext cx="226440" cy="2147400"/>
           </a:xfrm>
           <a:prstGeom prst="bentConnector2">
             <a:avLst/>
@@ -25104,7 +25327,7 @@
         <p:spPr>
           <a:xfrm>
             <a:off x="-18348120" y="-8275680"/>
-            <a:ext cx="48403080" cy="23183280"/>
+            <a:ext cx="48402720" cy="23182920"/>
           </a:xfrm>
           <a:custGeom>
             <a:avLst/>
